--- a/ECC_Swarm_Poster.pptx
+++ b/ECC_Swarm_Poster.pptx
@@ -107,6 +107,22 @@
       </a:defRPr>
     </a:lvl9pPr>
   </p:defaultTextStyle>
+  <p:extLst>
+    <p:ext uri="{EFAFB233-063F-42B5-8137-9DF3F51BA10A}">
+      <p15:sldGuideLst xmlns:p15="http://schemas.microsoft.com/office/powerpoint/2012/main">
+        <p15:guide id="1" orient="horz" pos="11520">
+          <p15:clr>
+            <a:srgbClr val="A4A3A4"/>
+          </p15:clr>
+        </p15:guide>
+        <p15:guide id="2" pos="8640">
+          <p15:clr>
+            <a:srgbClr val="A4A3A4"/>
+          </p15:clr>
+        </p15:guide>
+      </p15:sldGuideLst>
+    </p:ext>
+  </p:extLst>
 </p:presentation>
 </file>
 
@@ -192,7 +208,7 @@
           <a:p>
             <a:fld id="{E64DB11C-84BC-4749-AA8E-30A3DBD38F49}" type="datetimeFigureOut">
               <a:rPr lang="en-US" smtClean="0"/>
-              <a:t>1/7/14</a:t>
+              <a:t>1/7/2014</a:t>
             </a:fld>
             <a:endParaRPr lang="en-US"/>
           </a:p>
@@ -726,7 +742,7 @@
             <a:fld id="{D99B60C2-06DE-49C7-8411-1929355C2A00}" type="datetimeFigureOut">
               <a:rPr lang="en-US" smtClean="0"/>
               <a:pPr/>
-              <a:t>1/7/14</a:t>
+              <a:t>1/7/2014</a:t>
             </a:fld>
             <a:endParaRPr lang="en-US"/>
           </a:p>
@@ -898,7 +914,7 @@
             <a:fld id="{D99B60C2-06DE-49C7-8411-1929355C2A00}" type="datetimeFigureOut">
               <a:rPr lang="en-US" smtClean="0"/>
               <a:pPr/>
-              <a:t>1/7/14</a:t>
+              <a:t>1/7/2014</a:t>
             </a:fld>
             <a:endParaRPr lang="en-US"/>
           </a:p>
@@ -1080,7 +1096,7 @@
             <a:fld id="{D99B60C2-06DE-49C7-8411-1929355C2A00}" type="datetimeFigureOut">
               <a:rPr lang="en-US" smtClean="0"/>
               <a:pPr/>
-              <a:t>1/7/14</a:t>
+              <a:t>1/7/2014</a:t>
             </a:fld>
             <a:endParaRPr lang="en-US"/>
           </a:p>
@@ -1252,7 +1268,7 @@
             <a:fld id="{D99B60C2-06DE-49C7-8411-1929355C2A00}" type="datetimeFigureOut">
               <a:rPr lang="en-US" smtClean="0"/>
               <a:pPr/>
-              <a:t>1/7/14</a:t>
+              <a:t>1/7/2014</a:t>
             </a:fld>
             <a:endParaRPr lang="en-US"/>
           </a:p>
@@ -1500,7 +1516,7 @@
             <a:fld id="{D99B60C2-06DE-49C7-8411-1929355C2A00}" type="datetimeFigureOut">
               <a:rPr lang="en-US" smtClean="0"/>
               <a:pPr/>
-              <a:t>1/7/14</a:t>
+              <a:t>1/7/2014</a:t>
             </a:fld>
             <a:endParaRPr lang="en-US"/>
           </a:p>
@@ -1790,7 +1806,7 @@
             <a:fld id="{D99B60C2-06DE-49C7-8411-1929355C2A00}" type="datetimeFigureOut">
               <a:rPr lang="en-US" smtClean="0"/>
               <a:pPr/>
-              <a:t>1/7/14</a:t>
+              <a:t>1/7/2014</a:t>
             </a:fld>
             <a:endParaRPr lang="en-US"/>
           </a:p>
@@ -2214,7 +2230,7 @@
             <a:fld id="{D99B60C2-06DE-49C7-8411-1929355C2A00}" type="datetimeFigureOut">
               <a:rPr lang="en-US" smtClean="0"/>
               <a:pPr/>
-              <a:t>1/7/14</a:t>
+              <a:t>1/7/2014</a:t>
             </a:fld>
             <a:endParaRPr lang="en-US"/>
           </a:p>
@@ -2334,7 +2350,7 @@
             <a:fld id="{D99B60C2-06DE-49C7-8411-1929355C2A00}" type="datetimeFigureOut">
               <a:rPr lang="en-US" smtClean="0"/>
               <a:pPr/>
-              <a:t>1/7/14</a:t>
+              <a:t>1/7/2014</a:t>
             </a:fld>
             <a:endParaRPr lang="en-US"/>
           </a:p>
@@ -2431,7 +2447,7 @@
             <a:fld id="{D99B60C2-06DE-49C7-8411-1929355C2A00}" type="datetimeFigureOut">
               <a:rPr lang="en-US" smtClean="0"/>
               <a:pPr/>
-              <a:t>1/7/14</a:t>
+              <a:t>1/7/2014</a:t>
             </a:fld>
             <a:endParaRPr lang="en-US"/>
           </a:p>
@@ -2710,7 +2726,7 @@
             <a:fld id="{D99B60C2-06DE-49C7-8411-1929355C2A00}" type="datetimeFigureOut">
               <a:rPr lang="en-US" smtClean="0"/>
               <a:pPr/>
-              <a:t>1/7/14</a:t>
+              <a:t>1/7/2014</a:t>
             </a:fld>
             <a:endParaRPr lang="en-US"/>
           </a:p>
@@ -2965,7 +2981,7 @@
             <a:fld id="{D99B60C2-06DE-49C7-8411-1929355C2A00}" type="datetimeFigureOut">
               <a:rPr lang="en-US" smtClean="0"/>
               <a:pPr/>
-              <a:t>1/7/14</a:t>
+              <a:t>1/7/2014</a:t>
             </a:fld>
             <a:endParaRPr lang="en-US"/>
           </a:p>
@@ -3180,7 +3196,7 @@
             <a:fld id="{D99B60C2-06DE-49C7-8411-1929355C2A00}" type="datetimeFigureOut">
               <a:rPr lang="en-US" smtClean="0"/>
               <a:pPr/>
-              <a:t>1/7/14</a:t>
+              <a:t>1/7/2014</a:t>
             </a:fld>
             <a:endParaRPr lang="en-US"/>
           </a:p>
@@ -4029,14 +4045,14 @@
           </a:ln>
           <a:extLst>
             <a:ext uri="{909E8E84-426E-40dd-AFC4-6F175D3DCCD1}">
-              <a14:hiddenFill xmlns:a14="http://schemas.microsoft.com/office/drawing/2010/main">
+              <a14:hiddenFill xmlns:a14="http://schemas.microsoft.com/office/drawing/2010/main" xmlns="">
                 <a:solidFill>
                   <a:srgbClr val="FFFFFF"/>
                 </a:solidFill>
               </a14:hiddenFill>
             </a:ext>
             <a:ext uri="{91240B29-F687-4f45-9708-019B960494DF}">
-              <a14:hiddenLine xmlns:a14="http://schemas.microsoft.com/office/drawing/2010/main" w="9525">
+              <a14:hiddenLine xmlns:a14="http://schemas.microsoft.com/office/drawing/2010/main" xmlns="" w="9525">
                 <a:solidFill>
                   <a:srgbClr val="000000"/>
                 </a:solidFill>
@@ -4480,8 +4496,8 @@
           </a:p>
         </p:txBody>
       </p:sp>
-      <mc:AlternateContent xmlns:mc="http://schemas.openxmlformats.org/markup-compatibility/2006">
-        <mc:Choice xmlns:a14="http://schemas.microsoft.com/office/drawing/2010/main" Requires="a14">
+      <mc:AlternateContent xmlns:mc="http://schemas.openxmlformats.org/markup-compatibility/2006" xmlns:a14="http://schemas.microsoft.com/office/drawing/2010/main">
+        <mc:Choice Requires="a14">
           <p:sp>
             <p:nvSpPr>
               <p:cNvPr id="23" name="Text Box 1383"/>
@@ -4504,14 +4520,14 @@
               </a:ln>
               <a:extLst>
                 <a:ext uri="{909E8E84-426E-40dd-AFC4-6F175D3DCCD1}">
-                  <a14:hiddenFill>
+                  <a14:hiddenFill xmlns="">
                     <a:solidFill>
                       <a:srgbClr val="FFFFFF"/>
                     </a:solidFill>
                   </a14:hiddenFill>
                 </a:ext>
                 <a:ext uri="{91240B29-F687-4f45-9708-019B960494DF}">
-                  <a14:hiddenLine w="9525">
+                  <a14:hiddenLine xmlns="" w="9525">
                     <a:solidFill>
                       <a:srgbClr val="000000"/>
                     </a:solidFill>
@@ -4676,12 +4692,12 @@
                   <a:buChar char="o"/>
                 </a:pPr>
                 <a14:m>
-                  <m:oMath xmlns="" xmlns:m="http://schemas.openxmlformats.org/officeDocument/2006/math">
+                  <m:oMath xmlns:m="http://schemas.openxmlformats.org/officeDocument/2006/math">
                     <m:sSup>
                       <m:sSupPr>
                         <m:ctrlPr>
                           <a:rPr lang="en-US" sz="2600" i="1" dirty="0" smtClean="0">
-                            <a:latin typeface="Cambria Math"/>
+                            <a:latin typeface="Cambria Math" panose="02040503050406030204" pitchFamily="18" charset="0"/>
                           </a:rPr>
                         </m:ctrlPr>
                       </m:sSupPr>
@@ -4690,7 +4706,7 @@
                           <m:sSubPr>
                             <m:ctrlPr>
                               <a:rPr lang="en-US" sz="2600" i="1" dirty="0">
-                                <a:latin typeface="Cambria Math"/>
+                                <a:latin typeface="Cambria Math" panose="02040503050406030204" pitchFamily="18" charset="0"/>
                               </a:rPr>
                             </m:ctrlPr>
                           </m:sSubPr>
@@ -4764,7 +4780,7 @@
                   <a:buChar char="o"/>
                 </a:pPr>
                 <a14:m>
-                  <m:oMath xmlns="" xmlns:m="http://schemas.openxmlformats.org/officeDocument/2006/math">
+                  <m:oMath xmlns:m="http://schemas.openxmlformats.org/officeDocument/2006/math">
                     <m:r>
                       <a:rPr lang="en-US" sz="2600" b="0" i="1" smtClean="0">
                         <a:effectLst/>
@@ -4875,7 +4891,7 @@
             </p:txBody>
           </p:sp>
         </mc:Choice>
-        <mc:Fallback>
+        <mc:Fallback xmlns="">
           <p:sp>
             <p:nvSpPr>
               <p:cNvPr id="23" name="Text Box 1383"/>
@@ -4958,14 +4974,14 @@
           </a:ln>
           <a:extLst>
             <a:ext uri="{909E8E84-426E-40dd-AFC4-6F175D3DCCD1}">
-              <a14:hiddenFill xmlns:a14="http://schemas.microsoft.com/office/drawing/2010/main">
+              <a14:hiddenFill xmlns:a14="http://schemas.microsoft.com/office/drawing/2010/main" xmlns="">
                 <a:solidFill>
                   <a:srgbClr val="FFFFFF"/>
                 </a:solidFill>
               </a14:hiddenFill>
             </a:ext>
             <a:ext uri="{91240B29-F687-4f45-9708-019B960494DF}">
-              <a14:hiddenLine xmlns:a14="http://schemas.microsoft.com/office/drawing/2010/main" w="9525">
+              <a14:hiddenLine xmlns:a14="http://schemas.microsoft.com/office/drawing/2010/main" xmlns="" w="9525">
                 <a:solidFill>
                   <a:srgbClr val="000000"/>
                 </a:solidFill>
@@ -5206,14 +5222,14 @@
           </a:ln>
           <a:extLst>
             <a:ext uri="{909E8E84-426E-40dd-AFC4-6F175D3DCCD1}">
-              <a14:hiddenFill xmlns:a14="http://schemas.microsoft.com/office/drawing/2010/main">
+              <a14:hiddenFill xmlns:a14="http://schemas.microsoft.com/office/drawing/2010/main" xmlns="">
                 <a:solidFill>
                   <a:srgbClr val="FFFFFF"/>
                 </a:solidFill>
               </a14:hiddenFill>
             </a:ext>
             <a:ext uri="{91240B29-F687-4f45-9708-019B960494DF}">
-              <a14:hiddenLine xmlns:a14="http://schemas.microsoft.com/office/drawing/2010/main" w="9525">
+              <a14:hiddenLine xmlns:a14="http://schemas.microsoft.com/office/drawing/2010/main" xmlns="" w="9525">
                 <a:solidFill>
                   <a:srgbClr val="000000"/>
                 </a:solidFill>
@@ -5353,14 +5369,7 @@
                 <a:effectLst/>
                 <a:latin typeface="Helvetica" charset="0"/>
               </a:rPr>
-              <a:t>Comparison </a:t>
-            </a:r>
-            <a:r>
-              <a:rPr lang="en-US" sz="2000" b="1" dirty="0" smtClean="0">
-                <a:effectLst/>
-                <a:latin typeface="Helvetica" charset="0"/>
-              </a:rPr>
-              <a:t>of key sizes neede</a:t>
+              <a:t>Comparison of key sizes neede</a:t>
             </a:r>
             <a:r>
               <a:rPr lang="en-US" sz="2000" b="1" dirty="0" smtClean="0">
@@ -5510,14 +5519,14 @@
           </a:ln>
           <a:extLst>
             <a:ext uri="{909E8E84-426E-40dd-AFC4-6F175D3DCCD1}">
-              <a14:hiddenFill xmlns:a14="http://schemas.microsoft.com/office/drawing/2010/main">
+              <a14:hiddenFill xmlns:a14="http://schemas.microsoft.com/office/drawing/2010/main" xmlns="">
                 <a:solidFill>
                   <a:srgbClr val="FFFFFF"/>
                 </a:solidFill>
               </a14:hiddenFill>
             </a:ext>
             <a:ext uri="{91240B29-F687-4f45-9708-019B960494DF}">
-              <a14:hiddenLine xmlns:a14="http://schemas.microsoft.com/office/drawing/2010/main" w="9525">
+              <a14:hiddenLine xmlns:a14="http://schemas.microsoft.com/office/drawing/2010/main" xmlns="" w="9525">
                 <a:solidFill>
                   <a:srgbClr val="000000"/>
                 </a:solidFill>
@@ -5656,13 +5665,7 @@
               <a:rPr lang="en-US" sz="2000" b="1" dirty="0" smtClean="0">
                 <a:latin typeface="Helvetica" charset="0"/>
               </a:rPr>
-              <a:t>Results </a:t>
-            </a:r>
-            <a:r>
-              <a:rPr lang="en-US" sz="2000" b="1" dirty="0" smtClean="0">
-                <a:latin typeface="Helvetica" charset="0"/>
-              </a:rPr>
-              <a:t>of various hardware configurations </a:t>
+              <a:t>Results of various hardware configurations </a:t>
             </a:r>
             <a:br>
               <a:rPr lang="en-US" sz="2000" b="1" dirty="0" smtClean="0">
@@ -5673,25 +5676,7 @@
               <a:rPr lang="en-US" sz="2000" b="1" dirty="0" smtClean="0">
                 <a:latin typeface="Helvetica" charset="0"/>
               </a:rPr>
-              <a:t>using </a:t>
-            </a:r>
-            <a:r>
-              <a:rPr lang="en-US" sz="2000" b="1" dirty="0" smtClean="0">
-                <a:latin typeface="Helvetica" charset="0"/>
-              </a:rPr>
-              <a:t>32</a:t>
-            </a:r>
-            <a:r>
-              <a:rPr lang="en-US" sz="2000" b="1" dirty="0" smtClean="0">
-                <a:latin typeface="Helvetica" charset="0"/>
-              </a:rPr>
-              <a:t> </a:t>
-            </a:r>
-            <a:r>
-              <a:rPr lang="en-US" sz="2000" b="1" dirty="0" smtClean="0">
-                <a:latin typeface="Helvetica" charset="0"/>
-              </a:rPr>
-              <a:t>nm educational libraries </a:t>
+              <a:t>using 32 nm educational libraries </a:t>
             </a:r>
             <a:endParaRPr lang="en-US" sz="2000" b="1" dirty="0">
               <a:effectLst/>
@@ -5793,14 +5778,14 @@
           </a:ln>
           <a:extLst>
             <a:ext uri="{909E8E84-426E-40dd-AFC4-6F175D3DCCD1}">
-              <a14:hiddenFill xmlns:a14="http://schemas.microsoft.com/office/drawing/2010/main">
+              <a14:hiddenFill xmlns:a14="http://schemas.microsoft.com/office/drawing/2010/main" xmlns="">
                 <a:solidFill>
                   <a:srgbClr val="FFFFFF"/>
                 </a:solidFill>
               </a14:hiddenFill>
             </a:ext>
             <a:ext uri="{91240B29-F687-4f45-9708-019B960494DF}">
-              <a14:hiddenLine xmlns:a14="http://schemas.microsoft.com/office/drawing/2010/main" w="9525">
+              <a14:hiddenLine xmlns:a14="http://schemas.microsoft.com/office/drawing/2010/main" xmlns="" w="9525">
                 <a:solidFill>
                   <a:srgbClr val="000000"/>
                 </a:solidFill>
@@ -6158,9 +6143,6 @@
               </a:rPr>
               <a:t>The Chisel project at Berkeley makes this easy!</a:t>
             </a:r>
-            <a:endParaRPr lang="en-US" sz="2600" dirty="0" smtClean="0">
-              <a:latin typeface="Helvetica" charset="0"/>
-            </a:endParaRPr>
           </a:p>
           <a:p>
             <a:pPr>
@@ -6284,8 +6266,8 @@
           </a:p>
         </p:txBody>
       </p:sp>
-      <mc:AlternateContent xmlns:mc="http://schemas.openxmlformats.org/markup-compatibility/2006">
-        <mc:Choice xmlns:a14="http://schemas.microsoft.com/office/drawing/2010/main" Requires="a14">
+      <mc:AlternateContent xmlns:mc="http://schemas.openxmlformats.org/markup-compatibility/2006" xmlns:a14="http://schemas.microsoft.com/office/drawing/2010/main">
+        <mc:Choice Requires="a14">
           <p:sp>
             <p:nvSpPr>
               <p:cNvPr id="28" name="Text Box 1383"/>
@@ -6308,14 +6290,14 @@
               </a:ln>
               <a:extLst>
                 <a:ext uri="{909E8E84-426E-40dd-AFC4-6F175D3DCCD1}">
-                  <a14:hiddenFill>
+                  <a14:hiddenFill xmlns="">
                     <a:solidFill>
                       <a:srgbClr val="FFFFFF"/>
                     </a:solidFill>
                   </a14:hiddenFill>
                 </a:ext>
                 <a:ext uri="{91240B29-F687-4f45-9708-019B960494DF}">
-                  <a14:hiddenLine w="9525">
+                  <a14:hiddenLine xmlns="" w="9525">
                     <a:solidFill>
                       <a:srgbClr val="000000"/>
                     </a:solidFill>
@@ -6475,7 +6457,6 @@
                   <a:buFont typeface="Wingdings" charset="2"/>
                   <a:buChar char="o"/>
                 </a:pPr>
-                <a14:m/>
                 <a:endParaRPr lang="en-US" sz="3200" dirty="0">
                   <a:latin typeface="Helvetica" charset="0"/>
                 </a:endParaRPr>
@@ -6574,7 +6555,7 @@
             </p:txBody>
           </p:sp>
         </mc:Choice>
-        <mc:Fallback>
+        <mc:Fallback xmlns="">
           <p:sp>
             <p:nvSpPr>
               <p:cNvPr id="28" name="Text Box 1383"/>
@@ -6747,14 +6728,14 @@
           </a:ln>
           <a:extLst>
             <a:ext uri="{909E8E84-426E-40dd-AFC4-6F175D3DCCD1}">
-              <a14:hiddenFill xmlns:a14="http://schemas.microsoft.com/office/drawing/2010/main">
+              <a14:hiddenFill xmlns:a14="http://schemas.microsoft.com/office/drawing/2010/main" xmlns="">
                 <a:solidFill>
                   <a:srgbClr val="FFFFFF"/>
                 </a:solidFill>
               </a14:hiddenFill>
             </a:ext>
             <a:ext uri="{91240B29-F687-4f45-9708-019B960494DF}">
-              <a14:hiddenLine xmlns:a14="http://schemas.microsoft.com/office/drawing/2010/main" w="9525">
+              <a14:hiddenLine xmlns:a14="http://schemas.microsoft.com/office/drawing/2010/main" xmlns="" w="9525">
                 <a:solidFill>
                   <a:srgbClr val="000000"/>
                 </a:solidFill>
@@ -6897,9 +6878,6 @@
               </a:rPr>
               <a:t>Public Key Crypto relies on the discrete logarithm problem</a:t>
             </a:r>
-            <a:endParaRPr lang="en-US" sz="3200" dirty="0" smtClean="0">
-              <a:latin typeface="Helvetica" charset="0"/>
-            </a:endParaRPr>
           </a:p>
           <a:p>
             <a:pPr lvl="1">
@@ -7090,14 +7068,14 @@
           </a:ln>
           <a:extLst>
             <a:ext uri="{909E8E84-426E-40dd-AFC4-6F175D3DCCD1}">
-              <a14:hiddenFill xmlns:a14="http://schemas.microsoft.com/office/drawing/2010/main">
+              <a14:hiddenFill xmlns:a14="http://schemas.microsoft.com/office/drawing/2010/main" xmlns="">
                 <a:solidFill>
                   <a:srgbClr val="FFFFFF"/>
                 </a:solidFill>
               </a14:hiddenFill>
             </a:ext>
             <a:ext uri="{91240B29-F687-4f45-9708-019B960494DF}">
-              <a14:hiddenLine xmlns:a14="http://schemas.microsoft.com/office/drawing/2010/main" w="9525">
+              <a14:hiddenLine xmlns:a14="http://schemas.microsoft.com/office/drawing/2010/main" xmlns="" w="9525">
                 <a:solidFill>
                   <a:srgbClr val="000000"/>
                 </a:solidFill>
@@ -7237,14 +7215,7 @@
                 <a:effectLst/>
                 <a:latin typeface="Helvetica" charset="0"/>
               </a:rPr>
-              <a:t>Geometric </a:t>
-            </a:r>
-            <a:r>
-              <a:rPr lang="en-US" sz="2000" b="1" dirty="0" smtClean="0">
-                <a:effectLst/>
-                <a:latin typeface="Helvetica" charset="0"/>
-              </a:rPr>
-              <a:t>representation of an elliptic </a:t>
+              <a:t>Geometric representation of an elliptic </a:t>
             </a:r>
             <a:br>
               <a:rPr lang="en-US" sz="2000" b="1" dirty="0" smtClean="0">
@@ -7306,14 +7277,14 @@
           </a:ln>
           <a:extLst>
             <a:ext uri="{909E8E84-426E-40dd-AFC4-6F175D3DCCD1}">
-              <a14:hiddenFill xmlns:a14="http://schemas.microsoft.com/office/drawing/2010/main">
+              <a14:hiddenFill xmlns:a14="http://schemas.microsoft.com/office/drawing/2010/main" xmlns="">
                 <a:solidFill>
                   <a:srgbClr val="FFFFFF"/>
                 </a:solidFill>
               </a14:hiddenFill>
             </a:ext>
             <a:ext uri="{91240B29-F687-4f45-9708-019B960494DF}">
-              <a14:hiddenLine xmlns:a14="http://schemas.microsoft.com/office/drawing/2010/main" w="9525">
+              <a14:hiddenLine xmlns:a14="http://schemas.microsoft.com/office/drawing/2010/main" xmlns="" w="9525">
                 <a:solidFill>
                   <a:srgbClr val="000000"/>
                 </a:solidFill>
@@ -7463,19 +7434,7 @@
               <a:rPr lang="en-US" sz="2000" b="1" dirty="0" smtClean="0">
                 <a:latin typeface="Helvetica" charset="0"/>
               </a:rPr>
-              <a:t>When </a:t>
-            </a:r>
-            <a:r>
-              <a:rPr lang="en-US" sz="2000" b="1" dirty="0" smtClean="0">
-                <a:latin typeface="Helvetica" charset="0"/>
-              </a:rPr>
-              <a:t>repeated becomes a </a:t>
-            </a:r>
-            <a:r>
-              <a:rPr lang="en-US" sz="2000" b="1" dirty="0" smtClean="0">
-                <a:latin typeface="Helvetica" charset="0"/>
-              </a:rPr>
-              <a:t>multiply.</a:t>
+              <a:t>When repeated becomes a multiply.</a:t>
             </a:r>
             <a:endParaRPr lang="en-US" sz="2600" b="1" dirty="0">
               <a:effectLst/>
@@ -7484,6 +7443,647 @@
           </a:p>
         </p:txBody>
       </p:sp>
+      <mc:AlternateContent xmlns:mc="http://schemas.openxmlformats.org/markup-compatibility/2006">
+        <mc:Choice xmlns:a14="http://schemas.microsoft.com/office/drawing/2010/main" Requires="a14">
+          <p:sp>
+            <p:nvSpPr>
+              <p:cNvPr id="41" name="Text Box 1383"/>
+              <p:cNvSpPr txBox="1">
+                <a:spLocks noChangeArrowheads="1"/>
+              </p:cNvSpPr>
+              <p:nvPr/>
+            </p:nvSpPr>
+            <p:spPr bwMode="auto">
+              <a:xfrm>
+                <a:off x="1497313" y="12153470"/>
+                <a:ext cx="10231064" cy="6338338"/>
+              </a:xfrm>
+              <a:prstGeom prst="rect">
+                <a:avLst/>
+              </a:prstGeom>
+              <a:noFill/>
+              <a:ln>
+                <a:noFill/>
+              </a:ln>
+              <a:extLst>
+                <a:ext uri="{909E8E84-426E-40dd-AFC4-6F175D3DCCD1}">
+                  <a14:hiddenFill xmlns="">
+                    <a:solidFill>
+                      <a:srgbClr val="FFFFFF"/>
+                    </a:solidFill>
+                  </a14:hiddenFill>
+                </a:ext>
+                <a:ext uri="{91240B29-F687-4f45-9708-019B960494DF}">
+                  <a14:hiddenLine xmlns="" w="9525">
+                    <a:solidFill>
+                      <a:srgbClr val="000000"/>
+                    </a:solidFill>
+                    <a:miter lim="800000"/>
+                    <a:headEnd/>
+                    <a:tailEnd/>
+                  </a14:hiddenLine>
+                </a:ext>
+              </a:extLst>
+            </p:spPr>
+            <p:txBody>
+              <a:bodyPr wrap="square">
+                <a:spAutoFit/>
+              </a:bodyPr>
+              <a:lstStyle>
+                <a:lvl1pPr marL="457200" indent="-457200">
+                  <a:defRPr sz="3000">
+                    <a:solidFill>
+                      <a:schemeClr val="tx1"/>
+                    </a:solidFill>
+                    <a:latin typeface="Times" charset="0"/>
+                    <a:ea typeface="ＭＳ Ｐゴシック" charset="-128"/>
+                  </a:defRPr>
+                </a:lvl1pPr>
+                <a:lvl2pPr marL="1092200" indent="-393700">
+                  <a:defRPr sz="3000">
+                    <a:solidFill>
+                      <a:schemeClr val="tx1"/>
+                    </a:solidFill>
+                    <a:latin typeface="Times" charset="0"/>
+                    <a:ea typeface="ＭＳ Ｐゴシック" charset="-128"/>
+                  </a:defRPr>
+                </a:lvl2pPr>
+                <a:lvl3pPr>
+                  <a:defRPr sz="3000">
+                    <a:solidFill>
+                      <a:schemeClr val="tx1"/>
+                    </a:solidFill>
+                    <a:latin typeface="Times" charset="0"/>
+                    <a:ea typeface="ＭＳ Ｐゴシック" charset="-128"/>
+                  </a:defRPr>
+                </a:lvl3pPr>
+                <a:lvl4pPr>
+                  <a:defRPr sz="3000">
+                    <a:solidFill>
+                      <a:schemeClr val="tx1"/>
+                    </a:solidFill>
+                    <a:latin typeface="Times" charset="0"/>
+                    <a:ea typeface="ＭＳ Ｐゴシック" charset="-128"/>
+                  </a:defRPr>
+                </a:lvl4pPr>
+                <a:lvl5pPr>
+                  <a:defRPr sz="3000">
+                    <a:solidFill>
+                      <a:schemeClr val="tx1"/>
+                    </a:solidFill>
+                    <a:latin typeface="Times" charset="0"/>
+                    <a:ea typeface="ＭＳ Ｐゴシック" charset="-128"/>
+                  </a:defRPr>
+                </a:lvl5pPr>
+                <a:lvl6pPr marL="457200" eaLnBrk="0" fontAlgn="base" hangingPunct="0">
+                  <a:spcBef>
+                    <a:spcPct val="0"/>
+                  </a:spcBef>
+                  <a:spcAft>
+                    <a:spcPct val="0"/>
+                  </a:spcAft>
+                  <a:defRPr sz="3000">
+                    <a:solidFill>
+                      <a:schemeClr val="tx1"/>
+                    </a:solidFill>
+                    <a:latin typeface="Times" charset="0"/>
+                    <a:ea typeface="ＭＳ Ｐゴシック" charset="-128"/>
+                  </a:defRPr>
+                </a:lvl6pPr>
+                <a:lvl7pPr marL="914400" eaLnBrk="0" fontAlgn="base" hangingPunct="0">
+                  <a:spcBef>
+                    <a:spcPct val="0"/>
+                  </a:spcBef>
+                  <a:spcAft>
+                    <a:spcPct val="0"/>
+                  </a:spcAft>
+                  <a:defRPr sz="3000">
+                    <a:solidFill>
+                      <a:schemeClr val="tx1"/>
+                    </a:solidFill>
+                    <a:latin typeface="Times" charset="0"/>
+                    <a:ea typeface="ＭＳ Ｐゴシック" charset="-128"/>
+                  </a:defRPr>
+                </a:lvl7pPr>
+                <a:lvl8pPr marL="1371600" eaLnBrk="0" fontAlgn="base" hangingPunct="0">
+                  <a:spcBef>
+                    <a:spcPct val="0"/>
+                  </a:spcBef>
+                  <a:spcAft>
+                    <a:spcPct val="0"/>
+                  </a:spcAft>
+                  <a:defRPr sz="3000">
+                    <a:solidFill>
+                      <a:schemeClr val="tx1"/>
+                    </a:solidFill>
+                    <a:latin typeface="Times" charset="0"/>
+                    <a:ea typeface="ＭＳ Ｐゴシック" charset="-128"/>
+                  </a:defRPr>
+                </a:lvl8pPr>
+                <a:lvl9pPr marL="1828800" eaLnBrk="0" fontAlgn="base" hangingPunct="0">
+                  <a:spcBef>
+                    <a:spcPct val="0"/>
+                  </a:spcBef>
+                  <a:spcAft>
+                    <a:spcPct val="0"/>
+                  </a:spcAft>
+                  <a:defRPr sz="3000">
+                    <a:solidFill>
+                      <a:schemeClr val="tx1"/>
+                    </a:solidFill>
+                    <a:latin typeface="Times" charset="0"/>
+                    <a:ea typeface="ＭＳ Ｐゴシック" charset="-128"/>
+                  </a:defRPr>
+                </a:lvl9pPr>
+              </a:lstStyle>
+              <a:p>
+                <a:pPr>
+                  <a:lnSpc>
+                    <a:spcPct val="80000"/>
+                  </a:lnSpc>
+                  <a:spcBef>
+                    <a:spcPct val="15000"/>
+                  </a:spcBef>
+                  <a:buClr>
+                    <a:schemeClr val="accent1"/>
+                  </a:buClr>
+                  <a:buSzPct val="75000"/>
+                  <a:buFont typeface="Wingdings" charset="2"/>
+                  <a:buChar char="o"/>
+                </a:pPr>
+                <a:r>
+                  <a:rPr lang="en-US" sz="3200" dirty="0" smtClean="0">
+                    <a:effectLst/>
+                    <a:latin typeface="Helvetica" charset="0"/>
+                  </a:rPr>
+                  <a:t>Original motivating project: Universal </a:t>
+                </a:r>
+                <a:r>
+                  <a:rPr lang="en-US" sz="3200" dirty="0" err="1" smtClean="0">
+                    <a:effectLst/>
+                    <a:latin typeface="Helvetica" charset="0"/>
+                  </a:rPr>
+                  <a:t>Dataplane</a:t>
+                </a:r>
+                <a:endParaRPr lang="en-US" sz="3200" dirty="0">
+                  <a:effectLst/>
+                  <a:latin typeface="Helvetica" charset="0"/>
+                </a:endParaRPr>
+              </a:p>
+              <a:p>
+                <a:pPr lvl="1">
+                  <a:lnSpc>
+                    <a:spcPct val="80000"/>
+                  </a:lnSpc>
+                  <a:spcBef>
+                    <a:spcPct val="15000"/>
+                  </a:spcBef>
+                  <a:buClr>
+                    <a:schemeClr val="accent2"/>
+                  </a:buClr>
+                  <a:buSzPct val="75000"/>
+                  <a:buFont typeface="Wingdings" charset="2"/>
+                  <a:buChar char="o"/>
+                </a:pPr>
+                <a:r>
+                  <a:rPr lang="en-US" sz="2600" dirty="0" smtClean="0">
+                    <a:effectLst/>
+                    <a:latin typeface="Helvetica" charset="0"/>
+                  </a:rPr>
+                  <a:t>Large number of nodes (</a:t>
+                </a:r>
+                <a14:m>
+                  <m:oMath xmlns:m="http://schemas.openxmlformats.org/officeDocument/2006/math">
+                    <m:sSup>
+                      <m:sSupPr>
+                        <m:ctrlPr>
+                          <a:rPr lang="en-US" sz="2600" i="1" smtClean="0">
+                            <a:effectLst/>
+                            <a:latin typeface="Cambria Math" panose="02040503050406030204" pitchFamily="18" charset="0"/>
+                          </a:rPr>
+                        </m:ctrlPr>
+                      </m:sSupPr>
+                      <m:e>
+                        <m:r>
+                          <a:rPr lang="en-US" sz="2600" b="0" i="1" smtClean="0">
+                            <a:effectLst/>
+                            <a:latin typeface="Cambria Math" panose="02040503050406030204" pitchFamily="18" charset="0"/>
+                          </a:rPr>
+                          <m:t>10</m:t>
+                        </m:r>
+                      </m:e>
+                      <m:sup>
+                        <m:r>
+                          <a:rPr lang="en-US" sz="2600" b="0" i="1" smtClean="0">
+                            <a:effectLst/>
+                            <a:latin typeface="Cambria Math" panose="02040503050406030204" pitchFamily="18" charset="0"/>
+                          </a:rPr>
+                          <m:t>15</m:t>
+                        </m:r>
+                      </m:sup>
+                    </m:sSup>
+                    <m:r>
+                      <a:rPr lang="en-US" sz="2600" b="0" i="1" smtClean="0">
+                        <a:effectLst/>
+                        <a:latin typeface="Cambria Math" panose="02040503050406030204" pitchFamily="18" charset="0"/>
+                      </a:rPr>
+                      <m:t>)</m:t>
+                    </m:r>
+                  </m:oMath>
+                </a14:m>
+                <a:endParaRPr lang="en-US" sz="2600" dirty="0" smtClean="0">
+                  <a:effectLst/>
+                  <a:latin typeface="Helvetica" charset="0"/>
+                </a:endParaRPr>
+              </a:p>
+              <a:p>
+                <a:pPr lvl="1">
+                  <a:lnSpc>
+                    <a:spcPct val="80000"/>
+                  </a:lnSpc>
+                  <a:spcBef>
+                    <a:spcPct val="15000"/>
+                  </a:spcBef>
+                  <a:buClr>
+                    <a:schemeClr val="accent2"/>
+                  </a:buClr>
+                  <a:buSzPct val="75000"/>
+                  <a:buFont typeface="Wingdings" charset="2"/>
+                  <a:buChar char="o"/>
+                </a:pPr>
+                <a:r>
+                  <a:rPr lang="en-US" sz="2600" dirty="0" smtClean="0">
+                    <a:effectLst/>
+                    <a:latin typeface="Helvetica" charset="0"/>
+                  </a:rPr>
+                  <a:t>Low power per node (µW)</a:t>
+                </a:r>
+                <a:endParaRPr lang="en-US" sz="2600" dirty="0">
+                  <a:effectLst/>
+                  <a:latin typeface="Helvetica" charset="0"/>
+                </a:endParaRPr>
+              </a:p>
+              <a:p>
+                <a:pPr lvl="1">
+                  <a:lnSpc>
+                    <a:spcPct val="80000"/>
+                  </a:lnSpc>
+                  <a:spcBef>
+                    <a:spcPct val="15000"/>
+                  </a:spcBef>
+                  <a:buClr>
+                    <a:schemeClr val="accent1"/>
+                  </a:buClr>
+                  <a:buSzPct val="75000"/>
+                  <a:buFont typeface="Wingdings" charset="2"/>
+                  <a:buChar char="o"/>
+                </a:pPr>
+                <a:endParaRPr lang="en-US" sz="3200" dirty="0" smtClean="0">
+                  <a:effectLst/>
+                  <a:latin typeface="Helvetica" charset="0"/>
+                </a:endParaRPr>
+              </a:p>
+              <a:p>
+                <a:pPr>
+                  <a:lnSpc>
+                    <a:spcPct val="80000"/>
+                  </a:lnSpc>
+                  <a:spcBef>
+                    <a:spcPct val="15000"/>
+                  </a:spcBef>
+                  <a:buClr>
+                    <a:schemeClr val="accent1"/>
+                  </a:buClr>
+                  <a:buSzPct val="75000"/>
+                  <a:buFont typeface="Wingdings" charset="2"/>
+                  <a:buChar char="o"/>
+                </a:pPr>
+                <a:r>
+                  <a:rPr lang="en-US" sz="3200" dirty="0" smtClean="0">
+                    <a:latin typeface="Helvetica" charset="0"/>
+                  </a:rPr>
+                  <a:t>Designed with security in mind</a:t>
+                </a:r>
+                <a:endParaRPr lang="en-US" sz="3200" dirty="0">
+                  <a:latin typeface="Helvetica" charset="0"/>
+                </a:endParaRPr>
+              </a:p>
+              <a:p>
+                <a:pPr lvl="1">
+                  <a:lnSpc>
+                    <a:spcPct val="80000"/>
+                  </a:lnSpc>
+                  <a:spcBef>
+                    <a:spcPct val="15000"/>
+                  </a:spcBef>
+                  <a:buClr>
+                    <a:schemeClr val="accent2"/>
+                  </a:buClr>
+                  <a:buSzPct val="75000"/>
+                  <a:buFont typeface="Wingdings" charset="2"/>
+                  <a:buChar char="o"/>
+                </a:pPr>
+                <a:r>
+                  <a:rPr lang="en-US" sz="2600" dirty="0" smtClean="0">
+                    <a:latin typeface="Helvetica" charset="0"/>
+                  </a:rPr>
+                  <a:t>Encrypt and sign every transmission</a:t>
+                </a:r>
+              </a:p>
+              <a:p>
+                <a:pPr lvl="1">
+                  <a:lnSpc>
+                    <a:spcPct val="80000"/>
+                  </a:lnSpc>
+                  <a:spcBef>
+                    <a:spcPct val="15000"/>
+                  </a:spcBef>
+                  <a:buClr>
+                    <a:schemeClr val="accent2"/>
+                  </a:buClr>
+                  <a:buSzPct val="75000"/>
+                  <a:buFont typeface="Wingdings" charset="2"/>
+                  <a:buChar char="o"/>
+                </a:pPr>
+                <a:r>
+                  <a:rPr lang="en-US" sz="2600" dirty="0" smtClean="0">
+                    <a:latin typeface="Helvetica" charset="0"/>
+                  </a:rPr>
+                  <a:t>Unique key-pair for every node (hard with RSA!)</a:t>
+                </a:r>
+              </a:p>
+              <a:p>
+                <a:pPr marL="698500" lvl="1" indent="0">
+                  <a:lnSpc>
+                    <a:spcPct val="80000"/>
+                  </a:lnSpc>
+                  <a:spcBef>
+                    <a:spcPct val="15000"/>
+                  </a:spcBef>
+                  <a:buClr>
+                    <a:schemeClr val="accent1"/>
+                  </a:buClr>
+                  <a:buSzPct val="75000"/>
+                </a:pPr>
+                <a:endParaRPr lang="en-US" sz="3200" dirty="0" smtClean="0">
+                  <a:latin typeface="Helvetica" charset="0"/>
+                </a:endParaRPr>
+              </a:p>
+              <a:p>
+                <a:pPr>
+                  <a:lnSpc>
+                    <a:spcPct val="80000"/>
+                  </a:lnSpc>
+                  <a:spcBef>
+                    <a:spcPct val="15000"/>
+                  </a:spcBef>
+                  <a:buClr>
+                    <a:schemeClr val="accent1"/>
+                  </a:buClr>
+                  <a:buSzPct val="75000"/>
+                  <a:buFont typeface="Wingdings" charset="2"/>
+                  <a:buChar char="o"/>
+                </a:pPr>
+                <a:r>
+                  <a:rPr lang="en-US" sz="3200" dirty="0" smtClean="0">
+                    <a:latin typeface="Helvetica" charset="0"/>
+                  </a:rPr>
+                  <a:t>On a CPU, ECDSA is </a:t>
+                </a:r>
+                <a:r>
+                  <a:rPr lang="en-US" sz="3200" dirty="0" err="1" smtClean="0">
+                    <a:latin typeface="Helvetica" charset="0"/>
+                  </a:rPr>
+                  <a:t>mJ</a:t>
+                </a:r>
+                <a:r>
+                  <a:rPr lang="en-US" sz="3200" dirty="0" smtClean="0">
+                    <a:latin typeface="Helvetica" charset="0"/>
+                  </a:rPr>
+                  <a:t> per signature</a:t>
+                </a:r>
+                <a:endParaRPr lang="en-US" sz="3200" dirty="0">
+                  <a:latin typeface="Helvetica" charset="0"/>
+                </a:endParaRPr>
+              </a:p>
+              <a:p>
+                <a:pPr lvl="1">
+                  <a:lnSpc>
+                    <a:spcPct val="80000"/>
+                  </a:lnSpc>
+                  <a:spcBef>
+                    <a:spcPct val="15000"/>
+                  </a:spcBef>
+                  <a:buClr>
+                    <a:schemeClr val="accent2"/>
+                  </a:buClr>
+                  <a:buSzPct val="75000"/>
+                  <a:buFont typeface="Wingdings" charset="2"/>
+                  <a:buChar char="o"/>
+                </a:pPr>
+                <a:r>
+                  <a:rPr lang="en-US" sz="2600" dirty="0" smtClean="0">
+                    <a:latin typeface="Helvetica" charset="0"/>
+                  </a:rPr>
+                  <a:t>1 transmission per 1000 seconds burns the </a:t>
+                </a:r>
+                <a:r>
+                  <a:rPr lang="en-US" sz="2600" dirty="0" err="1" smtClean="0">
+                    <a:latin typeface="Helvetica" charset="0"/>
+                  </a:rPr>
+                  <a:t>bugdet</a:t>
+                </a:r>
+                <a:r>
+                  <a:rPr lang="en-US" sz="2600" dirty="0" smtClean="0">
+                    <a:latin typeface="Helvetica" charset="0"/>
+                  </a:rPr>
+                  <a:t>!</a:t>
+                </a:r>
+              </a:p>
+              <a:p>
+                <a:pPr lvl="1">
+                  <a:lnSpc>
+                    <a:spcPct val="80000"/>
+                  </a:lnSpc>
+                  <a:spcBef>
+                    <a:spcPct val="15000"/>
+                  </a:spcBef>
+                  <a:buClr>
+                    <a:schemeClr val="accent2"/>
+                  </a:buClr>
+                  <a:buSzPct val="75000"/>
+                  <a:buFont typeface="Wingdings" charset="2"/>
+                  <a:buChar char="o"/>
+                </a:pPr>
+                <a:r>
+                  <a:rPr lang="en-US" sz="2600" dirty="0" smtClean="0">
+                    <a:latin typeface="Helvetica" charset="0"/>
+                  </a:rPr>
+                  <a:t>We need a 1000x improvement in </a:t>
+                </a:r>
+                <a:r>
+                  <a:rPr lang="en-US" sz="2600" smtClean="0">
+                    <a:latin typeface="Helvetica" charset="0"/>
+                  </a:rPr>
+                  <a:t>energy per signature</a:t>
+                </a:r>
+                <a:endParaRPr lang="en-US" sz="2600" dirty="0">
+                  <a:latin typeface="Helvetica" charset="0"/>
+                </a:endParaRPr>
+              </a:p>
+              <a:p>
+                <a:pPr lvl="1">
+                  <a:lnSpc>
+                    <a:spcPct val="80000"/>
+                  </a:lnSpc>
+                  <a:spcBef>
+                    <a:spcPct val="15000"/>
+                  </a:spcBef>
+                  <a:buClr>
+                    <a:schemeClr val="accent2"/>
+                  </a:buClr>
+                  <a:buSzPct val="75000"/>
+                  <a:buFont typeface="Wingdings" charset="2"/>
+                  <a:buChar char="o"/>
+                </a:pPr>
+                <a:endParaRPr lang="en-US" sz="2600" dirty="0" smtClean="0">
+                  <a:latin typeface="Helvetica" charset="0"/>
+                </a:endParaRPr>
+              </a:p>
+              <a:p>
+                <a:pPr marL="698500" lvl="1" indent="0">
+                  <a:lnSpc>
+                    <a:spcPct val="80000"/>
+                  </a:lnSpc>
+                  <a:spcBef>
+                    <a:spcPct val="15000"/>
+                  </a:spcBef>
+                  <a:buClr>
+                    <a:schemeClr val="accent1"/>
+                  </a:buClr>
+                  <a:buSzPct val="75000"/>
+                </a:pPr>
+                <a:endParaRPr lang="en-US" sz="3200" dirty="0">
+                  <a:effectLst/>
+                  <a:latin typeface="Helvetica" charset="0"/>
+                </a:endParaRPr>
+              </a:p>
+              <a:p>
+                <a:pPr>
+                  <a:lnSpc>
+                    <a:spcPct val="80000"/>
+                  </a:lnSpc>
+                  <a:spcBef>
+                    <a:spcPct val="15000"/>
+                  </a:spcBef>
+                  <a:buClr>
+                    <a:schemeClr val="accent1"/>
+                  </a:buClr>
+                  <a:buSzPct val="75000"/>
+                  <a:buFont typeface="Wingdings" charset="2"/>
+                  <a:buChar char="o"/>
+                </a:pPr>
+                <a:r>
+                  <a:rPr lang="en-US" sz="3200" dirty="0" smtClean="0">
+                    <a:effectLst/>
+                    <a:latin typeface="Helvetica" charset="0"/>
+                  </a:rPr>
+                  <a:t>Solution: </a:t>
+                </a:r>
+                <a:r>
+                  <a:rPr lang="en-US" sz="3200" b="1" dirty="0" smtClean="0">
+                    <a:effectLst/>
+                    <a:latin typeface="Helvetica" charset="0"/>
+                  </a:rPr>
+                  <a:t>Crypto in Hardware</a:t>
+                </a:r>
+                <a:endParaRPr lang="en-US" sz="2600" b="1" dirty="0">
+                  <a:effectLst/>
+                  <a:latin typeface="Helvetica" charset="0"/>
+                </a:endParaRPr>
+              </a:p>
+              <a:p>
+                <a:pPr lvl="1">
+                  <a:lnSpc>
+                    <a:spcPct val="80000"/>
+                  </a:lnSpc>
+                  <a:spcBef>
+                    <a:spcPct val="15000"/>
+                  </a:spcBef>
+                  <a:buClr>
+                    <a:schemeClr val="accent1"/>
+                  </a:buClr>
+                  <a:buSzPct val="75000"/>
+                </a:pPr>
+                <a:endParaRPr lang="en-US" sz="2600" dirty="0">
+                  <a:effectLst/>
+                  <a:latin typeface="Helvetica" charset="0"/>
+                </a:endParaRPr>
+              </a:p>
+            </p:txBody>
+          </p:sp>
+        </mc:Choice>
+        <mc:Fallback>
+          <p:sp>
+            <p:nvSpPr>
+              <p:cNvPr id="41" name="Text Box 1383"/>
+              <p:cNvSpPr txBox="1">
+                <a:spLocks noRot="1" noChangeAspect="1" noMove="1" noResize="1" noEditPoints="1" noAdjustHandles="1" noChangeArrowheads="1" noChangeShapeType="1" noTextEdit="1"/>
+              </p:cNvSpPr>
+              <p:nvPr/>
+            </p:nvSpPr>
+            <p:spPr bwMode="auto">
+              <a:xfrm>
+                <a:off x="1497313" y="12153470"/>
+                <a:ext cx="10231064" cy="6338338"/>
+              </a:xfrm>
+              <a:prstGeom prst="rect">
+                <a:avLst/>
+              </a:prstGeom>
+              <a:blipFill rotWithShape="0">
+                <a:blip r:embed="rId12"/>
+                <a:stretch>
+                  <a:fillRect l="-834" t="-2791"/>
+                </a:stretch>
+              </a:blipFill>
+              <a:ln>
+                <a:noFill/>
+              </a:ln>
+              <a:extLst>
+                <a:ext uri="{909E8E84-426E-40dd-AFC4-6F175D3DCCD1}">
+                  <a14:hiddenFill xmlns:a14="http://schemas.microsoft.com/office/drawing/2010/main" xmlns="">
+                    <a:solidFill>
+                      <a:srgbClr val="FFFFFF"/>
+                    </a:solidFill>
+                  </a14:hiddenFill>
+                </a:ext>
+                <a:ext uri="{91240B29-F687-4f45-9708-019B960494DF}">
+                  <a14:hiddenLine xmlns:a14="http://schemas.microsoft.com/office/drawing/2010/main" xmlns="" w="9525">
+                    <a:solidFill>
+                      <a:srgbClr val="000000"/>
+                    </a:solidFill>
+                    <a:miter lim="800000"/>
+                    <a:headEnd/>
+                    <a:tailEnd/>
+                  </a14:hiddenLine>
+                </a:ext>
+              </a:extLst>
+            </p:spPr>
+            <p:txBody>
+              <a:bodyPr/>
+              <a:lstStyle/>
+              <a:p>
+                <a:r>
+                  <a:rPr lang="en-US">
+                    <a:noFill/>
+                  </a:rPr>
+                  <a:t> </a:t>
+                </a:r>
+              </a:p>
+            </p:txBody>
+          </p:sp>
+        </mc:Fallback>
+      </mc:AlternateContent>
     </p:spTree>
     <p:extLst>
       <p:ext uri="{BB962C8B-B14F-4D97-AF65-F5344CB8AC3E}">
@@ -7497,7 +8097,7 @@
   <p:timing>
     <p:tnLst>
       <p:par>
-        <p:cTn xmlns:p14="http://schemas.microsoft.com/office/powerpoint/2010/main" id="1" dur="indefinite" restart="never" nodeType="tmRoot"/>
+        <p:cTn id="1" dur="indefinite" restart="never" nodeType="tmRoot"/>
       </p:par>
     </p:tnLst>
   </p:timing>

--- a/ECC_Swarm_Poster.pptx
+++ b/ECC_Swarm_Poster.pptx
@@ -109,7 +109,7 @@
   </p:defaultTextStyle>
   <p:extLst>
     <p:ext uri="{EFAFB233-063F-42B5-8137-9DF3F51BA10A}">
-      <p15:sldGuideLst xmlns:p15="http://schemas.microsoft.com/office/powerpoint/2012/main">
+      <p15:sldGuideLst xmlns:p15="http://schemas.microsoft.com/office/powerpoint/2012/main" xmlns="">
         <p15:guide id="1" orient="horz" pos="11520">
           <p15:clr>
             <a:srgbClr val="A4A3A4"/>
@@ -208,7 +208,7 @@
           <a:p>
             <a:fld id="{E64DB11C-84BC-4749-AA8E-30A3DBD38F49}" type="datetimeFigureOut">
               <a:rPr lang="en-US" smtClean="0"/>
-              <a:t>1/7/2014</a:t>
+              <a:t>1/8/14</a:t>
             </a:fld>
             <a:endParaRPr lang="en-US"/>
           </a:p>
@@ -742,7 +742,7 @@
             <a:fld id="{D99B60C2-06DE-49C7-8411-1929355C2A00}" type="datetimeFigureOut">
               <a:rPr lang="en-US" smtClean="0"/>
               <a:pPr/>
-              <a:t>1/7/2014</a:t>
+              <a:t>1/8/14</a:t>
             </a:fld>
             <a:endParaRPr lang="en-US"/>
           </a:p>
@@ -914,7 +914,7 @@
             <a:fld id="{D99B60C2-06DE-49C7-8411-1929355C2A00}" type="datetimeFigureOut">
               <a:rPr lang="en-US" smtClean="0"/>
               <a:pPr/>
-              <a:t>1/7/2014</a:t>
+              <a:t>1/8/14</a:t>
             </a:fld>
             <a:endParaRPr lang="en-US"/>
           </a:p>
@@ -1096,7 +1096,7 @@
             <a:fld id="{D99B60C2-06DE-49C7-8411-1929355C2A00}" type="datetimeFigureOut">
               <a:rPr lang="en-US" smtClean="0"/>
               <a:pPr/>
-              <a:t>1/7/2014</a:t>
+              <a:t>1/8/14</a:t>
             </a:fld>
             <a:endParaRPr lang="en-US"/>
           </a:p>
@@ -1268,7 +1268,7 @@
             <a:fld id="{D99B60C2-06DE-49C7-8411-1929355C2A00}" type="datetimeFigureOut">
               <a:rPr lang="en-US" smtClean="0"/>
               <a:pPr/>
-              <a:t>1/7/2014</a:t>
+              <a:t>1/8/14</a:t>
             </a:fld>
             <a:endParaRPr lang="en-US"/>
           </a:p>
@@ -1516,7 +1516,7 @@
             <a:fld id="{D99B60C2-06DE-49C7-8411-1929355C2A00}" type="datetimeFigureOut">
               <a:rPr lang="en-US" smtClean="0"/>
               <a:pPr/>
-              <a:t>1/7/2014</a:t>
+              <a:t>1/8/14</a:t>
             </a:fld>
             <a:endParaRPr lang="en-US"/>
           </a:p>
@@ -1806,7 +1806,7 @@
             <a:fld id="{D99B60C2-06DE-49C7-8411-1929355C2A00}" type="datetimeFigureOut">
               <a:rPr lang="en-US" smtClean="0"/>
               <a:pPr/>
-              <a:t>1/7/2014</a:t>
+              <a:t>1/8/14</a:t>
             </a:fld>
             <a:endParaRPr lang="en-US"/>
           </a:p>
@@ -2230,7 +2230,7 @@
             <a:fld id="{D99B60C2-06DE-49C7-8411-1929355C2A00}" type="datetimeFigureOut">
               <a:rPr lang="en-US" smtClean="0"/>
               <a:pPr/>
-              <a:t>1/7/2014</a:t>
+              <a:t>1/8/14</a:t>
             </a:fld>
             <a:endParaRPr lang="en-US"/>
           </a:p>
@@ -2350,7 +2350,7 @@
             <a:fld id="{D99B60C2-06DE-49C7-8411-1929355C2A00}" type="datetimeFigureOut">
               <a:rPr lang="en-US" smtClean="0"/>
               <a:pPr/>
-              <a:t>1/7/2014</a:t>
+              <a:t>1/8/14</a:t>
             </a:fld>
             <a:endParaRPr lang="en-US"/>
           </a:p>
@@ -2447,7 +2447,7 @@
             <a:fld id="{D99B60C2-06DE-49C7-8411-1929355C2A00}" type="datetimeFigureOut">
               <a:rPr lang="en-US" smtClean="0"/>
               <a:pPr/>
-              <a:t>1/7/2014</a:t>
+              <a:t>1/8/14</a:t>
             </a:fld>
             <a:endParaRPr lang="en-US"/>
           </a:p>
@@ -2726,7 +2726,7 @@
             <a:fld id="{D99B60C2-06DE-49C7-8411-1929355C2A00}" type="datetimeFigureOut">
               <a:rPr lang="en-US" smtClean="0"/>
               <a:pPr/>
-              <a:t>1/7/2014</a:t>
+              <a:t>1/8/14</a:t>
             </a:fld>
             <a:endParaRPr lang="en-US"/>
           </a:p>
@@ -2981,7 +2981,7 @@
             <a:fld id="{D99B60C2-06DE-49C7-8411-1929355C2A00}" type="datetimeFigureOut">
               <a:rPr lang="en-US" smtClean="0"/>
               <a:pPr/>
-              <a:t>1/7/2014</a:t>
+              <a:t>1/8/14</a:t>
             </a:fld>
             <a:endParaRPr lang="en-US"/>
           </a:p>
@@ -3196,7 +3196,7 @@
             <a:fld id="{D99B60C2-06DE-49C7-8411-1929355C2A00}" type="datetimeFigureOut">
               <a:rPr lang="en-US" smtClean="0"/>
               <a:pPr/>
-              <a:t>1/7/2014</a:t>
+              <a:t>1/8/14</a:t>
             </a:fld>
             <a:endParaRPr lang="en-US"/>
           </a:p>
@@ -4025,426 +4025,6 @@
       </p:sp>
       <p:sp>
         <p:nvSpPr>
-          <p:cNvPr id="16" name="Text Box 1383"/>
-          <p:cNvSpPr txBox="1">
-            <a:spLocks noChangeArrowheads="1"/>
-          </p:cNvSpPr>
-          <p:nvPr/>
-        </p:nvSpPr>
-        <p:spPr bwMode="auto">
-          <a:xfrm>
-            <a:off x="1981200" y="6629400"/>
-            <a:ext cx="10439400" cy="3655873"/>
-          </a:xfrm>
-          <a:prstGeom prst="rect">
-            <a:avLst/>
-          </a:prstGeom>
-          <a:noFill/>
-          <a:ln>
-            <a:noFill/>
-          </a:ln>
-          <a:extLst>
-            <a:ext uri="{909E8E84-426E-40dd-AFC4-6F175D3DCCD1}">
-              <a14:hiddenFill xmlns:a14="http://schemas.microsoft.com/office/drawing/2010/main" xmlns="">
-                <a:solidFill>
-                  <a:srgbClr val="FFFFFF"/>
-                </a:solidFill>
-              </a14:hiddenFill>
-            </a:ext>
-            <a:ext uri="{91240B29-F687-4f45-9708-019B960494DF}">
-              <a14:hiddenLine xmlns:a14="http://schemas.microsoft.com/office/drawing/2010/main" xmlns="" w="9525">
-                <a:solidFill>
-                  <a:srgbClr val="000000"/>
-                </a:solidFill>
-                <a:miter lim="800000"/>
-                <a:headEnd/>
-                <a:tailEnd/>
-              </a14:hiddenLine>
-            </a:ext>
-          </a:extLst>
-        </p:spPr>
-        <p:txBody>
-          <a:bodyPr wrap="square">
-            <a:spAutoFit/>
-          </a:bodyPr>
-          <a:lstStyle>
-            <a:lvl1pPr marL="457200" indent="-457200">
-              <a:defRPr sz="3000">
-                <a:solidFill>
-                  <a:schemeClr val="tx1"/>
-                </a:solidFill>
-                <a:latin typeface="Times" charset="0"/>
-                <a:ea typeface="ＭＳ Ｐゴシック" charset="-128"/>
-              </a:defRPr>
-            </a:lvl1pPr>
-            <a:lvl2pPr marL="1092200" indent="-393700">
-              <a:defRPr sz="3000">
-                <a:solidFill>
-                  <a:schemeClr val="tx1"/>
-                </a:solidFill>
-                <a:latin typeface="Times" charset="0"/>
-                <a:ea typeface="ＭＳ Ｐゴシック" charset="-128"/>
-              </a:defRPr>
-            </a:lvl2pPr>
-            <a:lvl3pPr>
-              <a:defRPr sz="3000">
-                <a:solidFill>
-                  <a:schemeClr val="tx1"/>
-                </a:solidFill>
-                <a:latin typeface="Times" charset="0"/>
-                <a:ea typeface="ＭＳ Ｐゴシック" charset="-128"/>
-              </a:defRPr>
-            </a:lvl3pPr>
-            <a:lvl4pPr>
-              <a:defRPr sz="3000">
-                <a:solidFill>
-                  <a:schemeClr val="tx1"/>
-                </a:solidFill>
-                <a:latin typeface="Times" charset="0"/>
-                <a:ea typeface="ＭＳ Ｐゴシック" charset="-128"/>
-              </a:defRPr>
-            </a:lvl4pPr>
-            <a:lvl5pPr>
-              <a:defRPr sz="3000">
-                <a:solidFill>
-                  <a:schemeClr val="tx1"/>
-                </a:solidFill>
-                <a:latin typeface="Times" charset="0"/>
-                <a:ea typeface="ＭＳ Ｐゴシック" charset="-128"/>
-              </a:defRPr>
-            </a:lvl5pPr>
-            <a:lvl6pPr marL="457200" eaLnBrk="0" fontAlgn="base" hangingPunct="0">
-              <a:spcBef>
-                <a:spcPct val="0"/>
-              </a:spcBef>
-              <a:spcAft>
-                <a:spcPct val="0"/>
-              </a:spcAft>
-              <a:defRPr sz="3000">
-                <a:solidFill>
-                  <a:schemeClr val="tx1"/>
-                </a:solidFill>
-                <a:latin typeface="Times" charset="0"/>
-                <a:ea typeface="ＭＳ Ｐゴシック" charset="-128"/>
-              </a:defRPr>
-            </a:lvl6pPr>
-            <a:lvl7pPr marL="914400" eaLnBrk="0" fontAlgn="base" hangingPunct="0">
-              <a:spcBef>
-                <a:spcPct val="0"/>
-              </a:spcBef>
-              <a:spcAft>
-                <a:spcPct val="0"/>
-              </a:spcAft>
-              <a:defRPr sz="3000">
-                <a:solidFill>
-                  <a:schemeClr val="tx1"/>
-                </a:solidFill>
-                <a:latin typeface="Times" charset="0"/>
-                <a:ea typeface="ＭＳ Ｐゴシック" charset="-128"/>
-              </a:defRPr>
-            </a:lvl7pPr>
-            <a:lvl8pPr marL="1371600" eaLnBrk="0" fontAlgn="base" hangingPunct="0">
-              <a:spcBef>
-                <a:spcPct val="0"/>
-              </a:spcBef>
-              <a:spcAft>
-                <a:spcPct val="0"/>
-              </a:spcAft>
-              <a:defRPr sz="3000">
-                <a:solidFill>
-                  <a:schemeClr val="tx1"/>
-                </a:solidFill>
-                <a:latin typeface="Times" charset="0"/>
-                <a:ea typeface="ＭＳ Ｐゴシック" charset="-128"/>
-              </a:defRPr>
-            </a:lvl8pPr>
-            <a:lvl9pPr marL="1828800" eaLnBrk="0" fontAlgn="base" hangingPunct="0">
-              <a:spcBef>
-                <a:spcPct val="0"/>
-              </a:spcBef>
-              <a:spcAft>
-                <a:spcPct val="0"/>
-              </a:spcAft>
-              <a:defRPr sz="3000">
-                <a:solidFill>
-                  <a:schemeClr val="tx1"/>
-                </a:solidFill>
-                <a:latin typeface="Times" charset="0"/>
-                <a:ea typeface="ＭＳ Ｐゴシック" charset="-128"/>
-              </a:defRPr>
-            </a:lvl9pPr>
-          </a:lstStyle>
-          <a:p>
-            <a:pPr>
-              <a:lnSpc>
-                <a:spcPct val="80000"/>
-              </a:lnSpc>
-              <a:spcBef>
-                <a:spcPct val="15000"/>
-              </a:spcBef>
-              <a:buClr>
-                <a:schemeClr val="accent1"/>
-              </a:buClr>
-              <a:buSzPct val="75000"/>
-              <a:buFont typeface="Wingdings" charset="2"/>
-              <a:buChar char="o"/>
-            </a:pPr>
-            <a:r>
-              <a:rPr lang="en-US" sz="3200" dirty="0" smtClean="0">
-                <a:latin typeface="Helvetica" charset="0"/>
-              </a:rPr>
-              <a:t>Universal </a:t>
-            </a:r>
-            <a:r>
-              <a:rPr lang="en-US" sz="3200" dirty="0" err="1" smtClean="0">
-                <a:latin typeface="Helvetica" charset="0"/>
-              </a:rPr>
-              <a:t>Dataplane</a:t>
-            </a:r>
-            <a:r>
-              <a:rPr lang="en-US" sz="3200" dirty="0">
-                <a:latin typeface="Helvetica" charset="0"/>
-              </a:rPr>
-              <a:t> </a:t>
-            </a:r>
-            <a:r>
-              <a:rPr lang="en-US" sz="3200" dirty="0" smtClean="0">
-                <a:latin typeface="Helvetica" charset="0"/>
-              </a:rPr>
-              <a:t>in the Swarm OS</a:t>
-            </a:r>
-          </a:p>
-          <a:p>
-            <a:pPr lvl="1">
-              <a:lnSpc>
-                <a:spcPct val="80000"/>
-              </a:lnSpc>
-              <a:spcBef>
-                <a:spcPct val="15000"/>
-              </a:spcBef>
-              <a:buClr>
-                <a:srgbClr val="CC0000"/>
-              </a:buClr>
-              <a:buSzPct val="75000"/>
-              <a:buFont typeface="Wingdings" charset="2"/>
-              <a:buChar char="o"/>
-            </a:pPr>
-            <a:r>
-              <a:rPr lang="en-US" sz="2600" dirty="0" smtClean="0">
-                <a:effectLst/>
-                <a:latin typeface="Helvetica" charset="0"/>
-              </a:rPr>
-              <a:t>One possible solution: Encrypt everything!</a:t>
-            </a:r>
-          </a:p>
-          <a:p>
-            <a:pPr lvl="1">
-              <a:lnSpc>
-                <a:spcPct val="80000"/>
-              </a:lnSpc>
-              <a:spcBef>
-                <a:spcPct val="15000"/>
-              </a:spcBef>
-              <a:buClr>
-                <a:srgbClr val="CC0000"/>
-              </a:buClr>
-              <a:buSzPct val="75000"/>
-              <a:buFont typeface="Wingdings" charset="2"/>
-              <a:buChar char="o"/>
-            </a:pPr>
-            <a:r>
-              <a:rPr lang="en-US" sz="2600" dirty="0" smtClean="0">
-                <a:effectLst/>
-                <a:latin typeface="Helvetica" charset="0"/>
-              </a:rPr>
-              <a:t>Need a power efficient form of cryptography</a:t>
-            </a:r>
-            <a:br>
-              <a:rPr lang="en-US" sz="2600" dirty="0" smtClean="0">
-                <a:effectLst/>
-                <a:latin typeface="Helvetica" charset="0"/>
-              </a:rPr>
-            </a:br>
-            <a:endParaRPr lang="en-US" sz="2600" dirty="0" smtClean="0">
-              <a:effectLst/>
-              <a:latin typeface="Helvetica" charset="0"/>
-            </a:endParaRPr>
-          </a:p>
-          <a:p>
-            <a:pPr>
-              <a:lnSpc>
-                <a:spcPct val="80000"/>
-              </a:lnSpc>
-              <a:spcBef>
-                <a:spcPct val="15000"/>
-              </a:spcBef>
-              <a:buClr>
-                <a:schemeClr val="accent1"/>
-              </a:buClr>
-              <a:buSzPct val="75000"/>
-              <a:buFont typeface="Wingdings" charset="2"/>
-              <a:buChar char="o"/>
-            </a:pPr>
-            <a:r>
-              <a:rPr lang="en-US" sz="3200" dirty="0" smtClean="0">
-                <a:latin typeface="Helvetica" charset="0"/>
-              </a:rPr>
-              <a:t>Swarm devices have limited capabilities</a:t>
-            </a:r>
-          </a:p>
-          <a:p>
-            <a:pPr lvl="1">
-              <a:lnSpc>
-                <a:spcPct val="80000"/>
-              </a:lnSpc>
-              <a:spcBef>
-                <a:spcPct val="15000"/>
-              </a:spcBef>
-              <a:buClr>
-                <a:srgbClr val="CC0000"/>
-              </a:buClr>
-              <a:buSzPct val="75000"/>
-              <a:buFont typeface="Wingdings" charset="2"/>
-              <a:buChar char="o"/>
-            </a:pPr>
-            <a:r>
-              <a:rPr lang="en-US" sz="2600" dirty="0" smtClean="0">
-                <a:latin typeface="Helvetica" charset="0"/>
-              </a:rPr>
-              <a:t>What is the bare amount of hardware needed?</a:t>
-            </a:r>
-          </a:p>
-          <a:p>
-            <a:pPr lvl="1">
-              <a:lnSpc>
-                <a:spcPct val="80000"/>
-              </a:lnSpc>
-              <a:spcBef>
-                <a:spcPct val="15000"/>
-              </a:spcBef>
-              <a:buClr>
-                <a:srgbClr val="CC0000"/>
-              </a:buClr>
-              <a:buSzPct val="75000"/>
-              <a:buFont typeface="Wingdings" charset="2"/>
-              <a:buChar char="o"/>
-            </a:pPr>
-            <a:r>
-              <a:rPr lang="en-US" sz="2600" dirty="0" smtClean="0">
-                <a:effectLst/>
-                <a:latin typeface="Helvetica" charset="0"/>
-              </a:rPr>
-              <a:t>Is specialized hardware for crypto worth it?</a:t>
-            </a:r>
-            <a:endParaRPr lang="en-US" sz="2600" dirty="0">
-              <a:effectLst/>
-              <a:latin typeface="Helvetica" charset="0"/>
-            </a:endParaRPr>
-          </a:p>
-          <a:p>
-            <a:pPr lvl="1">
-              <a:lnSpc>
-                <a:spcPct val="80000"/>
-              </a:lnSpc>
-              <a:spcBef>
-                <a:spcPct val="15000"/>
-              </a:spcBef>
-              <a:buClr>
-                <a:schemeClr val="accent2"/>
-              </a:buClr>
-              <a:buSzPct val="75000"/>
-              <a:buFont typeface="Wingdings" charset="2"/>
-              <a:buChar char="o"/>
-            </a:pPr>
-            <a:endParaRPr lang="en-US" sz="2600" dirty="0">
-              <a:effectLst/>
-              <a:latin typeface="Helvetica" charset="0"/>
-            </a:endParaRPr>
-          </a:p>
-          <a:p>
-            <a:pPr lvl="1">
-              <a:lnSpc>
-                <a:spcPct val="80000"/>
-              </a:lnSpc>
-              <a:spcBef>
-                <a:spcPct val="15000"/>
-              </a:spcBef>
-              <a:buClr>
-                <a:schemeClr val="accent1"/>
-              </a:buClr>
-              <a:buSzPct val="75000"/>
-            </a:pPr>
-            <a:endParaRPr lang="en-US" sz="2600" dirty="0">
-              <a:effectLst/>
-              <a:latin typeface="Helvetica" charset="0"/>
-            </a:endParaRPr>
-          </a:p>
-        </p:txBody>
-      </p:sp>
-      <p:sp>
-        <p:nvSpPr>
-          <p:cNvPr id="18" name="AutoShape 1382"/>
-          <p:cNvSpPr>
-            <a:spLocks noChangeArrowheads="1"/>
-          </p:cNvSpPr>
-          <p:nvPr/>
-        </p:nvSpPr>
-        <p:spPr bwMode="auto">
-          <a:xfrm>
-            <a:off x="1981200" y="10058400"/>
-            <a:ext cx="8077200" cy="1447800"/>
-          </a:xfrm>
-          <a:prstGeom prst="roundRect">
-            <a:avLst>
-              <a:gd name="adj" fmla="val 16667"/>
-            </a:avLst>
-          </a:prstGeom>
-          <a:solidFill>
-            <a:srgbClr val="CC0000"/>
-          </a:solidFill>
-          <a:ln w="9525">
-            <a:solidFill>
-              <a:schemeClr val="tx1"/>
-            </a:solidFill>
-            <a:round/>
-            <a:headEnd/>
-            <a:tailEnd/>
-          </a:ln>
-        </p:spPr>
-        <p:txBody>
-          <a:bodyPr wrap="none" anchor="ctr"/>
-          <a:lstStyle/>
-          <a:p>
-            <a:pPr algn="ctr"/>
-            <a:r>
-              <a:rPr lang="en-US" sz="5000" dirty="0" smtClean="0">
-                <a:solidFill>
-                  <a:schemeClr val="bg1"/>
-                </a:solidFill>
-                <a:effectLst/>
-              </a:rPr>
-              <a:t>The Universal </a:t>
-            </a:r>
-            <a:r>
-              <a:rPr lang="en-US" sz="5000" dirty="0" err="1" smtClean="0">
-                <a:solidFill>
-                  <a:schemeClr val="bg1"/>
-                </a:solidFill>
-                <a:effectLst/>
-              </a:rPr>
-              <a:t>Dataplane</a:t>
-            </a:r>
-            <a:endParaRPr lang="en-US" sz="5000" dirty="0">
-              <a:solidFill>
-                <a:schemeClr val="bg1"/>
-              </a:solidFill>
-              <a:effectLst/>
-            </a:endParaRPr>
-          </a:p>
-        </p:txBody>
-      </p:sp>
-      <p:sp>
-        <p:nvSpPr>
           <p:cNvPr id="20" name="AutoShape 1382"/>
           <p:cNvSpPr>
             <a:spLocks noChangeArrowheads="1"/>
@@ -4520,14 +4100,14 @@
               </a:ln>
               <a:extLst>
                 <a:ext uri="{909E8E84-426E-40dd-AFC4-6F175D3DCCD1}">
-                  <a14:hiddenFill xmlns="">
+                  <a14:hiddenFill>
                     <a:solidFill>
                       <a:srgbClr val="FFFFFF"/>
                     </a:solidFill>
                   </a14:hiddenFill>
                 </a:ext>
                 <a:ext uri="{91240B29-F687-4f45-9708-019B960494DF}">
-                  <a14:hiddenLine xmlns="" w="9525">
+                  <a14:hiddenLine w="9525">
                     <a:solidFill>
                       <a:srgbClr val="000000"/>
                     </a:solidFill>
@@ -4692,7 +4272,7 @@
                   <a:buChar char="o"/>
                 </a:pPr>
                 <a14:m>
-                  <m:oMath xmlns:m="http://schemas.openxmlformats.org/officeDocument/2006/math">
+                  <m:oMath xmlns:m="http://schemas.openxmlformats.org/officeDocument/2006/math" xmlns="">
                     <m:sSup>
                       <m:sSupPr>
                         <m:ctrlPr>
@@ -4780,7 +4360,7 @@
                   <a:buChar char="o"/>
                 </a:pPr>
                 <a14:m>
-                  <m:oMath xmlns:m="http://schemas.openxmlformats.org/officeDocument/2006/math">
+                  <m:oMath xmlns:m="http://schemas.openxmlformats.org/officeDocument/2006/math" xmlns="">
                     <m:r>
                       <a:rPr lang="en-US" sz="2600" b="0" i="1" smtClean="0">
                         <a:effectLst/>
@@ -4974,14 +4554,14 @@
           </a:ln>
           <a:extLst>
             <a:ext uri="{909E8E84-426E-40dd-AFC4-6F175D3DCCD1}">
-              <a14:hiddenFill xmlns:a14="http://schemas.microsoft.com/office/drawing/2010/main" xmlns="">
+              <a14:hiddenFill xmlns:a14="http://schemas.microsoft.com/office/drawing/2010/main">
                 <a:solidFill>
                   <a:srgbClr val="FFFFFF"/>
                 </a:solidFill>
               </a14:hiddenFill>
             </a:ext>
             <a:ext uri="{91240B29-F687-4f45-9708-019B960494DF}">
-              <a14:hiddenLine xmlns:a14="http://schemas.microsoft.com/office/drawing/2010/main" xmlns="" w="9525">
+              <a14:hiddenLine xmlns:a14="http://schemas.microsoft.com/office/drawing/2010/main" w="9525">
                 <a:solidFill>
                   <a:srgbClr val="000000"/>
                 </a:solidFill>
@@ -5222,14 +4802,14 @@
           </a:ln>
           <a:extLst>
             <a:ext uri="{909E8E84-426E-40dd-AFC4-6F175D3DCCD1}">
-              <a14:hiddenFill xmlns:a14="http://schemas.microsoft.com/office/drawing/2010/main" xmlns="">
+              <a14:hiddenFill xmlns:a14="http://schemas.microsoft.com/office/drawing/2010/main">
                 <a:solidFill>
                   <a:srgbClr val="FFFFFF"/>
                 </a:solidFill>
               </a14:hiddenFill>
             </a:ext>
             <a:ext uri="{91240B29-F687-4f45-9708-019B960494DF}">
-              <a14:hiddenLine xmlns:a14="http://schemas.microsoft.com/office/drawing/2010/main" xmlns="" w="9525">
+              <a14:hiddenLine xmlns:a14="http://schemas.microsoft.com/office/drawing/2010/main" w="9525">
                 <a:solidFill>
                   <a:srgbClr val="000000"/>
                 </a:solidFill>
@@ -5519,14 +5099,14 @@
           </a:ln>
           <a:extLst>
             <a:ext uri="{909E8E84-426E-40dd-AFC4-6F175D3DCCD1}">
-              <a14:hiddenFill xmlns:a14="http://schemas.microsoft.com/office/drawing/2010/main" xmlns="">
+              <a14:hiddenFill xmlns:a14="http://schemas.microsoft.com/office/drawing/2010/main">
                 <a:solidFill>
                   <a:srgbClr val="FFFFFF"/>
                 </a:solidFill>
               </a14:hiddenFill>
             </a:ext>
             <a:ext uri="{91240B29-F687-4f45-9708-019B960494DF}">
-              <a14:hiddenLine xmlns:a14="http://schemas.microsoft.com/office/drawing/2010/main" xmlns="" w="9525">
+              <a14:hiddenLine xmlns:a14="http://schemas.microsoft.com/office/drawing/2010/main" w="9525">
                 <a:solidFill>
                   <a:srgbClr val="000000"/>
                 </a:solidFill>
@@ -5778,14 +5358,14 @@
           </a:ln>
           <a:extLst>
             <a:ext uri="{909E8E84-426E-40dd-AFC4-6F175D3DCCD1}">
-              <a14:hiddenFill xmlns:a14="http://schemas.microsoft.com/office/drawing/2010/main" xmlns="">
+              <a14:hiddenFill xmlns:a14="http://schemas.microsoft.com/office/drawing/2010/main">
                 <a:solidFill>
                   <a:srgbClr val="FFFFFF"/>
                 </a:solidFill>
               </a14:hiddenFill>
             </a:ext>
             <a:ext uri="{91240B29-F687-4f45-9708-019B960494DF}">
-              <a14:hiddenLine xmlns:a14="http://schemas.microsoft.com/office/drawing/2010/main" xmlns="" w="9525">
+              <a14:hiddenLine xmlns:a14="http://schemas.microsoft.com/office/drawing/2010/main" w="9525">
                 <a:solidFill>
                   <a:srgbClr val="000000"/>
                 </a:solidFill>
@@ -6266,356 +5846,6 @@
           </a:p>
         </p:txBody>
       </p:sp>
-      <mc:AlternateContent xmlns:mc="http://schemas.openxmlformats.org/markup-compatibility/2006" xmlns:a14="http://schemas.microsoft.com/office/drawing/2010/main">
-        <mc:Choice Requires="a14">
-          <p:sp>
-            <p:nvSpPr>
-              <p:cNvPr id="28" name="Text Box 1383"/>
-              <p:cNvSpPr txBox="1">
-                <a:spLocks noChangeArrowheads="1"/>
-              </p:cNvSpPr>
-              <p:nvPr/>
-            </p:nvSpPr>
-            <p:spPr bwMode="auto">
-              <a:xfrm>
-                <a:off x="1960936" y="30175200"/>
-                <a:ext cx="8153400" cy="2562240"/>
-              </a:xfrm>
-              <a:prstGeom prst="rect">
-                <a:avLst/>
-              </a:prstGeom>
-              <a:noFill/>
-              <a:ln>
-                <a:noFill/>
-              </a:ln>
-              <a:extLst>
-                <a:ext uri="{909E8E84-426E-40dd-AFC4-6F175D3DCCD1}">
-                  <a14:hiddenFill xmlns="">
-                    <a:solidFill>
-                      <a:srgbClr val="FFFFFF"/>
-                    </a:solidFill>
-                  </a14:hiddenFill>
-                </a:ext>
-                <a:ext uri="{91240B29-F687-4f45-9708-019B960494DF}">
-                  <a14:hiddenLine xmlns="" w="9525">
-                    <a:solidFill>
-                      <a:srgbClr val="000000"/>
-                    </a:solidFill>
-                    <a:miter lim="800000"/>
-                    <a:headEnd/>
-                    <a:tailEnd/>
-                  </a14:hiddenLine>
-                </a:ext>
-              </a:extLst>
-            </p:spPr>
-            <p:txBody>
-              <a:bodyPr wrap="square">
-                <a:spAutoFit/>
-              </a:bodyPr>
-              <a:lstStyle>
-                <a:lvl1pPr marL="457200" indent="-457200">
-                  <a:defRPr sz="3000">
-                    <a:solidFill>
-                      <a:schemeClr val="tx1"/>
-                    </a:solidFill>
-                    <a:latin typeface="Times" charset="0"/>
-                    <a:ea typeface="ＭＳ Ｐゴシック" charset="-128"/>
-                  </a:defRPr>
-                </a:lvl1pPr>
-                <a:lvl2pPr marL="1092200" indent="-393700">
-                  <a:defRPr sz="3000">
-                    <a:solidFill>
-                      <a:schemeClr val="tx1"/>
-                    </a:solidFill>
-                    <a:latin typeface="Times" charset="0"/>
-                    <a:ea typeface="ＭＳ Ｐゴシック" charset="-128"/>
-                  </a:defRPr>
-                </a:lvl2pPr>
-                <a:lvl3pPr>
-                  <a:defRPr sz="3000">
-                    <a:solidFill>
-                      <a:schemeClr val="tx1"/>
-                    </a:solidFill>
-                    <a:latin typeface="Times" charset="0"/>
-                    <a:ea typeface="ＭＳ Ｐゴシック" charset="-128"/>
-                  </a:defRPr>
-                </a:lvl3pPr>
-                <a:lvl4pPr>
-                  <a:defRPr sz="3000">
-                    <a:solidFill>
-                      <a:schemeClr val="tx1"/>
-                    </a:solidFill>
-                    <a:latin typeface="Times" charset="0"/>
-                    <a:ea typeface="ＭＳ Ｐゴシック" charset="-128"/>
-                  </a:defRPr>
-                </a:lvl4pPr>
-                <a:lvl5pPr>
-                  <a:defRPr sz="3000">
-                    <a:solidFill>
-                      <a:schemeClr val="tx1"/>
-                    </a:solidFill>
-                    <a:latin typeface="Times" charset="0"/>
-                    <a:ea typeface="ＭＳ Ｐゴシック" charset="-128"/>
-                  </a:defRPr>
-                </a:lvl5pPr>
-                <a:lvl6pPr marL="457200" eaLnBrk="0" fontAlgn="base" hangingPunct="0">
-                  <a:spcBef>
-                    <a:spcPct val="0"/>
-                  </a:spcBef>
-                  <a:spcAft>
-                    <a:spcPct val="0"/>
-                  </a:spcAft>
-                  <a:defRPr sz="3000">
-                    <a:solidFill>
-                      <a:schemeClr val="tx1"/>
-                    </a:solidFill>
-                    <a:latin typeface="Times" charset="0"/>
-                    <a:ea typeface="ＭＳ Ｐゴシック" charset="-128"/>
-                  </a:defRPr>
-                </a:lvl6pPr>
-                <a:lvl7pPr marL="914400" eaLnBrk="0" fontAlgn="base" hangingPunct="0">
-                  <a:spcBef>
-                    <a:spcPct val="0"/>
-                  </a:spcBef>
-                  <a:spcAft>
-                    <a:spcPct val="0"/>
-                  </a:spcAft>
-                  <a:defRPr sz="3000">
-                    <a:solidFill>
-                      <a:schemeClr val="tx1"/>
-                    </a:solidFill>
-                    <a:latin typeface="Times" charset="0"/>
-                    <a:ea typeface="ＭＳ Ｐゴシック" charset="-128"/>
-                  </a:defRPr>
-                </a:lvl7pPr>
-                <a:lvl8pPr marL="1371600" eaLnBrk="0" fontAlgn="base" hangingPunct="0">
-                  <a:spcBef>
-                    <a:spcPct val="0"/>
-                  </a:spcBef>
-                  <a:spcAft>
-                    <a:spcPct val="0"/>
-                  </a:spcAft>
-                  <a:defRPr sz="3000">
-                    <a:solidFill>
-                      <a:schemeClr val="tx1"/>
-                    </a:solidFill>
-                    <a:latin typeface="Times" charset="0"/>
-                    <a:ea typeface="ＭＳ Ｐゴシック" charset="-128"/>
-                  </a:defRPr>
-                </a:lvl8pPr>
-                <a:lvl9pPr marL="1828800" eaLnBrk="0" fontAlgn="base" hangingPunct="0">
-                  <a:spcBef>
-                    <a:spcPct val="0"/>
-                  </a:spcBef>
-                  <a:spcAft>
-                    <a:spcPct val="0"/>
-                  </a:spcAft>
-                  <a:defRPr sz="3000">
-                    <a:solidFill>
-                      <a:schemeClr val="tx1"/>
-                    </a:solidFill>
-                    <a:latin typeface="Times" charset="0"/>
-                    <a:ea typeface="ＭＳ Ｐゴシック" charset="-128"/>
-                  </a:defRPr>
-                </a:lvl9pPr>
-              </a:lstStyle>
-              <a:p>
-                <a:pPr>
-                  <a:lnSpc>
-                    <a:spcPct val="80000"/>
-                  </a:lnSpc>
-                  <a:spcBef>
-                    <a:spcPct val="15000"/>
-                  </a:spcBef>
-                  <a:buClr>
-                    <a:schemeClr val="accent1"/>
-                  </a:buClr>
-                  <a:buSzPct val="75000"/>
-                  <a:buFont typeface="Wingdings" charset="2"/>
-                  <a:buChar char="o"/>
-                </a:pPr>
-                <a:r>
-                  <a:rPr lang="en-US" sz="3200" dirty="0" smtClean="0">
-                    <a:effectLst/>
-                    <a:latin typeface="Helvetica" charset="0"/>
-                  </a:rPr>
-                  <a:t>Elliptic curve: the set of points that satisfy</a:t>
-                </a:r>
-              </a:p>
-              <a:p>
-                <a:pPr lvl="1">
-                  <a:lnSpc>
-                    <a:spcPct val="80000"/>
-                  </a:lnSpc>
-                  <a:spcBef>
-                    <a:spcPct val="15000"/>
-                  </a:spcBef>
-                  <a:buClr>
-                    <a:schemeClr val="accent1"/>
-                  </a:buClr>
-                  <a:buSzPct val="75000"/>
-                  <a:buFont typeface="Wingdings" charset="2"/>
-                  <a:buChar char="o"/>
-                </a:pPr>
-                <a:endParaRPr lang="en-US" sz="3200" dirty="0">
-                  <a:latin typeface="Helvetica" charset="0"/>
-                </a:endParaRPr>
-              </a:p>
-              <a:p>
-                <a:pPr>
-                  <a:lnSpc>
-                    <a:spcPct val="80000"/>
-                  </a:lnSpc>
-                  <a:spcBef>
-                    <a:spcPct val="15000"/>
-                  </a:spcBef>
-                  <a:buClr>
-                    <a:schemeClr val="accent1"/>
-                  </a:buClr>
-                  <a:buSzPct val="75000"/>
-                  <a:buFont typeface="Wingdings" charset="2"/>
-                  <a:buChar char="o"/>
-                </a:pPr>
-                <a:r>
-                  <a:rPr lang="en-US" sz="3200" dirty="0" smtClean="0">
-                    <a:effectLst/>
-                    <a:latin typeface="Helvetica" charset="0"/>
-                  </a:rPr>
-                  <a:t>Some crypto-specific constraints</a:t>
-                </a:r>
-              </a:p>
-              <a:p>
-                <a:pPr lvl="1">
-                  <a:lnSpc>
-                    <a:spcPct val="80000"/>
-                  </a:lnSpc>
-                  <a:spcBef>
-                    <a:spcPct val="15000"/>
-                  </a:spcBef>
-                  <a:buClr>
-                    <a:schemeClr val="accent2"/>
-                  </a:buClr>
-                  <a:buSzPct val="75000"/>
-                  <a:buFont typeface="Wingdings" charset="2"/>
-                  <a:buChar char="o"/>
-                </a:pPr>
-                <a:r>
-                  <a:rPr lang="en-US" sz="2600" dirty="0" smtClean="0">
-                    <a:effectLst/>
-                    <a:latin typeface="Helvetica" charset="0"/>
-                  </a:rPr>
-                  <a:t>Finite field -&gt; everything is modular</a:t>
-                </a:r>
-              </a:p>
-              <a:p>
-                <a:pPr lvl="1">
-                  <a:lnSpc>
-                    <a:spcPct val="80000"/>
-                  </a:lnSpc>
-                  <a:spcBef>
-                    <a:spcPct val="15000"/>
-                  </a:spcBef>
-                  <a:buClr>
-                    <a:schemeClr val="accent2"/>
-                  </a:buClr>
-                  <a:buSzPct val="75000"/>
-                  <a:buFont typeface="Wingdings" charset="2"/>
-                  <a:buChar char="o"/>
-                </a:pPr>
-                <a:r>
-                  <a:rPr lang="en-US" sz="2600" dirty="0" smtClean="0">
-                    <a:effectLst/>
-                    <a:latin typeface="Helvetica" charset="0"/>
-                  </a:rPr>
-                  <a:t>Difficult -&gt; modulo some large number</a:t>
-                </a:r>
-                <a:endParaRPr lang="en-US" sz="2600" dirty="0">
-                  <a:effectLst/>
-                  <a:latin typeface="Helvetica" charset="0"/>
-                </a:endParaRPr>
-              </a:p>
-              <a:p>
-                <a:pPr lvl="1">
-                  <a:lnSpc>
-                    <a:spcPct val="80000"/>
-                  </a:lnSpc>
-                  <a:spcBef>
-                    <a:spcPct val="15000"/>
-                  </a:spcBef>
-                  <a:buClr>
-                    <a:schemeClr val="accent1"/>
-                  </a:buClr>
-                  <a:buSzPct val="75000"/>
-                </a:pPr>
-                <a:endParaRPr lang="en-US" sz="2600" dirty="0">
-                  <a:effectLst/>
-                  <a:latin typeface="Helvetica" charset="0"/>
-                </a:endParaRPr>
-              </a:p>
-            </p:txBody>
-          </p:sp>
-        </mc:Choice>
-        <mc:Fallback xmlns="">
-          <p:sp>
-            <p:nvSpPr>
-              <p:cNvPr id="28" name="Text Box 1383"/>
-              <p:cNvSpPr txBox="1">
-                <a:spLocks noRot="1" noChangeAspect="1" noMove="1" noResize="1" noEditPoints="1" noAdjustHandles="1" noChangeArrowheads="1" noChangeShapeType="1" noTextEdit="1"/>
-              </p:cNvSpPr>
-              <p:nvPr/>
-            </p:nvSpPr>
-            <p:spPr bwMode="auto">
-              <a:xfrm>
-                <a:off x="1960936" y="30175200"/>
-                <a:ext cx="8153400" cy="2562240"/>
-              </a:xfrm>
-              <a:prstGeom prst="rect">
-                <a:avLst/>
-              </a:prstGeom>
-              <a:blipFill rotWithShape="1">
-                <a:blip r:embed="rId10"/>
-                <a:stretch>
-                  <a:fillRect/>
-                </a:stretch>
-              </a:blipFill>
-              <a:ln>
-                <a:noFill/>
-              </a:ln>
-              <a:extLst>
-                <a:ext uri="{909E8E84-426E-40dd-AFC4-6F175D3DCCD1}">
-                  <a14:hiddenFill xmlns:a14="http://schemas.microsoft.com/office/drawing/2010/main">
-                    <a:solidFill>
-                      <a:srgbClr val="FFFFFF"/>
-                    </a:solidFill>
-                  </a14:hiddenFill>
-                </a:ext>
-                <a:ext uri="{91240B29-F687-4f45-9708-019B960494DF}">
-                  <a14:hiddenLine xmlns:a14="http://schemas.microsoft.com/office/drawing/2010/main" w="9525">
-                    <a:solidFill>
-                      <a:srgbClr val="000000"/>
-                    </a:solidFill>
-                    <a:miter lim="800000"/>
-                    <a:headEnd/>
-                    <a:tailEnd/>
-                  </a14:hiddenLine>
-                </a:ext>
-              </a:extLst>
-            </p:spPr>
-            <p:txBody>
-              <a:bodyPr/>
-              <a:lstStyle/>
-              <a:p>
-                <a:r>
-                  <a:rPr lang="en-US">
-                    <a:noFill/>
-                  </a:rPr>
-                  <a:t> </a:t>
-                </a:r>
-              </a:p>
-            </p:txBody>
-          </p:sp>
-        </mc:Fallback>
-      </mc:AlternateContent>
       <p:sp>
         <p:nvSpPr>
           <p:cNvPr id="36" name="AutoShape 1382"/>
@@ -6685,7 +5915,7 @@
           <p:nvPr/>
         </p:nvPicPr>
         <p:blipFill>
-          <a:blip r:embed="rId11" cstate="print">
+          <a:blip r:embed="rId10" cstate="print">
             <a:extLst>
               <a:ext uri="{28A0092B-C50C-407E-A947-70E740481C1C}">
                 <a14:useLocalDpi xmlns:a14="http://schemas.microsoft.com/office/drawing/2010/main" val="0"/>
@@ -6728,14 +5958,14 @@
           </a:ln>
           <a:extLst>
             <a:ext uri="{909E8E84-426E-40dd-AFC4-6F175D3DCCD1}">
-              <a14:hiddenFill xmlns:a14="http://schemas.microsoft.com/office/drawing/2010/main" xmlns="">
+              <a14:hiddenFill xmlns:a14="http://schemas.microsoft.com/office/drawing/2010/main">
                 <a:solidFill>
                   <a:srgbClr val="FFFFFF"/>
                 </a:solidFill>
               </a14:hiddenFill>
             </a:ext>
             <a:ext uri="{91240B29-F687-4f45-9708-019B960494DF}">
-              <a14:hiddenLine xmlns:a14="http://schemas.microsoft.com/office/drawing/2010/main" xmlns="" w="9525">
+              <a14:hiddenLine xmlns:a14="http://schemas.microsoft.com/office/drawing/2010/main" w="9525">
                 <a:solidFill>
                   <a:srgbClr val="000000"/>
                 </a:solidFill>
@@ -7068,14 +6298,14 @@
           </a:ln>
           <a:extLst>
             <a:ext uri="{909E8E84-426E-40dd-AFC4-6F175D3DCCD1}">
-              <a14:hiddenFill xmlns:a14="http://schemas.microsoft.com/office/drawing/2010/main" xmlns="">
+              <a14:hiddenFill xmlns:a14="http://schemas.microsoft.com/office/drawing/2010/main">
                 <a:solidFill>
                   <a:srgbClr val="FFFFFF"/>
                 </a:solidFill>
               </a14:hiddenFill>
             </a:ext>
             <a:ext uri="{91240B29-F687-4f45-9708-019B960494DF}">
-              <a14:hiddenLine xmlns:a14="http://schemas.microsoft.com/office/drawing/2010/main" xmlns="" w="9525">
+              <a14:hiddenLine xmlns:a14="http://schemas.microsoft.com/office/drawing/2010/main" w="9525">
                 <a:solidFill>
                   <a:srgbClr val="000000"/>
                 </a:solidFill>
@@ -7277,14 +6507,14 @@
           </a:ln>
           <a:extLst>
             <a:ext uri="{909E8E84-426E-40dd-AFC4-6F175D3DCCD1}">
-              <a14:hiddenFill xmlns:a14="http://schemas.microsoft.com/office/drawing/2010/main" xmlns="">
+              <a14:hiddenFill xmlns:a14="http://schemas.microsoft.com/office/drawing/2010/main">
                 <a:solidFill>
                   <a:srgbClr val="FFFFFF"/>
                 </a:solidFill>
               </a14:hiddenFill>
             </a:ext>
             <a:ext uri="{91240B29-F687-4f45-9708-019B960494DF}">
-              <a14:hiddenLine xmlns:a14="http://schemas.microsoft.com/office/drawing/2010/main" xmlns="" w="9525">
+              <a14:hiddenLine xmlns:a14="http://schemas.microsoft.com/office/drawing/2010/main" w="9525">
                 <a:solidFill>
                   <a:srgbClr val="000000"/>
                 </a:solidFill>
@@ -7443,647 +6673,1071 @@
           </a:p>
         </p:txBody>
       </p:sp>
-      <mc:AlternateContent xmlns:mc="http://schemas.openxmlformats.org/markup-compatibility/2006">
-        <mc:Choice xmlns:a14="http://schemas.microsoft.com/office/drawing/2010/main" Requires="a14">
-          <p:sp>
-            <p:nvSpPr>
-              <p:cNvPr id="41" name="Text Box 1383"/>
-              <p:cNvSpPr txBox="1">
-                <a:spLocks noChangeArrowheads="1"/>
-              </p:cNvSpPr>
-              <p:nvPr/>
-            </p:nvSpPr>
-            <p:spPr bwMode="auto">
-              <a:xfrm>
-                <a:off x="1497313" y="12153470"/>
-                <a:ext cx="10231064" cy="6338338"/>
-              </a:xfrm>
-              <a:prstGeom prst="rect">
-                <a:avLst/>
-              </a:prstGeom>
-              <a:noFill/>
-              <a:ln>
-                <a:noFill/>
-              </a:ln>
-              <a:extLst>
-                <a:ext uri="{909E8E84-426E-40dd-AFC4-6F175D3DCCD1}">
-                  <a14:hiddenFill xmlns="">
-                    <a:solidFill>
-                      <a:srgbClr val="FFFFFF"/>
-                    </a:solidFill>
-                  </a14:hiddenFill>
-                </a:ext>
-                <a:ext uri="{91240B29-F687-4f45-9708-019B960494DF}">
-                  <a14:hiddenLine xmlns="" w="9525">
-                    <a:solidFill>
-                      <a:srgbClr val="000000"/>
-                    </a:solidFill>
-                    <a:miter lim="800000"/>
-                    <a:headEnd/>
-                    <a:tailEnd/>
-                  </a14:hiddenLine>
-                </a:ext>
-              </a:extLst>
-            </p:spPr>
-            <p:txBody>
-              <a:bodyPr wrap="square">
-                <a:spAutoFit/>
-              </a:bodyPr>
-              <a:lstStyle>
-                <a:lvl1pPr marL="457200" indent="-457200">
-                  <a:defRPr sz="3000">
-                    <a:solidFill>
-                      <a:schemeClr val="tx1"/>
-                    </a:solidFill>
-                    <a:latin typeface="Times" charset="0"/>
-                    <a:ea typeface="ＭＳ Ｐゴシック" charset="-128"/>
-                  </a:defRPr>
-                </a:lvl1pPr>
-                <a:lvl2pPr marL="1092200" indent="-393700">
-                  <a:defRPr sz="3000">
-                    <a:solidFill>
-                      <a:schemeClr val="tx1"/>
-                    </a:solidFill>
-                    <a:latin typeface="Times" charset="0"/>
-                    <a:ea typeface="ＭＳ Ｐゴシック" charset="-128"/>
-                  </a:defRPr>
-                </a:lvl2pPr>
-                <a:lvl3pPr>
-                  <a:defRPr sz="3000">
-                    <a:solidFill>
-                      <a:schemeClr val="tx1"/>
-                    </a:solidFill>
-                    <a:latin typeface="Times" charset="0"/>
-                    <a:ea typeface="ＭＳ Ｐゴシック" charset="-128"/>
-                  </a:defRPr>
-                </a:lvl3pPr>
-                <a:lvl4pPr>
-                  <a:defRPr sz="3000">
-                    <a:solidFill>
-                      <a:schemeClr val="tx1"/>
-                    </a:solidFill>
-                    <a:latin typeface="Times" charset="0"/>
-                    <a:ea typeface="ＭＳ Ｐゴシック" charset="-128"/>
-                  </a:defRPr>
-                </a:lvl4pPr>
-                <a:lvl5pPr>
-                  <a:defRPr sz="3000">
-                    <a:solidFill>
-                      <a:schemeClr val="tx1"/>
-                    </a:solidFill>
-                    <a:latin typeface="Times" charset="0"/>
-                    <a:ea typeface="ＭＳ Ｐゴシック" charset="-128"/>
-                  </a:defRPr>
-                </a:lvl5pPr>
-                <a:lvl6pPr marL="457200" eaLnBrk="0" fontAlgn="base" hangingPunct="0">
-                  <a:spcBef>
-                    <a:spcPct val="0"/>
-                  </a:spcBef>
-                  <a:spcAft>
-                    <a:spcPct val="0"/>
-                  </a:spcAft>
-                  <a:defRPr sz="3000">
-                    <a:solidFill>
-                      <a:schemeClr val="tx1"/>
-                    </a:solidFill>
-                    <a:latin typeface="Times" charset="0"/>
-                    <a:ea typeface="ＭＳ Ｐゴシック" charset="-128"/>
-                  </a:defRPr>
-                </a:lvl6pPr>
-                <a:lvl7pPr marL="914400" eaLnBrk="0" fontAlgn="base" hangingPunct="0">
-                  <a:spcBef>
-                    <a:spcPct val="0"/>
-                  </a:spcBef>
-                  <a:spcAft>
-                    <a:spcPct val="0"/>
-                  </a:spcAft>
-                  <a:defRPr sz="3000">
-                    <a:solidFill>
-                      <a:schemeClr val="tx1"/>
-                    </a:solidFill>
-                    <a:latin typeface="Times" charset="0"/>
-                    <a:ea typeface="ＭＳ Ｐゴシック" charset="-128"/>
-                  </a:defRPr>
-                </a:lvl7pPr>
-                <a:lvl8pPr marL="1371600" eaLnBrk="0" fontAlgn="base" hangingPunct="0">
-                  <a:spcBef>
-                    <a:spcPct val="0"/>
-                  </a:spcBef>
-                  <a:spcAft>
-                    <a:spcPct val="0"/>
-                  </a:spcAft>
-                  <a:defRPr sz="3000">
-                    <a:solidFill>
-                      <a:schemeClr val="tx1"/>
-                    </a:solidFill>
-                    <a:latin typeface="Times" charset="0"/>
-                    <a:ea typeface="ＭＳ Ｐゴシック" charset="-128"/>
-                  </a:defRPr>
-                </a:lvl8pPr>
-                <a:lvl9pPr marL="1828800" eaLnBrk="0" fontAlgn="base" hangingPunct="0">
-                  <a:spcBef>
-                    <a:spcPct val="0"/>
-                  </a:spcBef>
-                  <a:spcAft>
-                    <a:spcPct val="0"/>
-                  </a:spcAft>
-                  <a:defRPr sz="3000">
-                    <a:solidFill>
-                      <a:schemeClr val="tx1"/>
-                    </a:solidFill>
-                    <a:latin typeface="Times" charset="0"/>
-                    <a:ea typeface="ＭＳ Ｐゴシック" charset="-128"/>
-                  </a:defRPr>
-                </a:lvl9pPr>
-              </a:lstStyle>
-              <a:p>
-                <a:pPr>
-                  <a:lnSpc>
-                    <a:spcPct val="80000"/>
-                  </a:lnSpc>
-                  <a:spcBef>
-                    <a:spcPct val="15000"/>
-                  </a:spcBef>
-                  <a:buClr>
-                    <a:schemeClr val="accent1"/>
-                  </a:buClr>
-                  <a:buSzPct val="75000"/>
-                  <a:buFont typeface="Wingdings" charset="2"/>
-                  <a:buChar char="o"/>
-                </a:pPr>
-                <a:r>
-                  <a:rPr lang="en-US" sz="3200" dirty="0" smtClean="0">
-                    <a:effectLst/>
-                    <a:latin typeface="Helvetica" charset="0"/>
-                  </a:rPr>
-                  <a:t>Original motivating project: Universal </a:t>
-                </a:r>
-                <a:r>
-                  <a:rPr lang="en-US" sz="3200" dirty="0" err="1" smtClean="0">
-                    <a:effectLst/>
-                    <a:latin typeface="Helvetica" charset="0"/>
-                  </a:rPr>
-                  <a:t>Dataplane</a:t>
-                </a:r>
-                <a:endParaRPr lang="en-US" sz="3200" dirty="0">
-                  <a:effectLst/>
-                  <a:latin typeface="Helvetica" charset="0"/>
-                </a:endParaRPr>
-              </a:p>
-              <a:p>
-                <a:pPr lvl="1">
-                  <a:lnSpc>
-                    <a:spcPct val="80000"/>
-                  </a:lnSpc>
-                  <a:spcBef>
-                    <a:spcPct val="15000"/>
-                  </a:spcBef>
-                  <a:buClr>
-                    <a:schemeClr val="accent2"/>
-                  </a:buClr>
-                  <a:buSzPct val="75000"/>
-                  <a:buFont typeface="Wingdings" charset="2"/>
-                  <a:buChar char="o"/>
-                </a:pPr>
-                <a:r>
-                  <a:rPr lang="en-US" sz="2600" dirty="0" smtClean="0">
-                    <a:effectLst/>
-                    <a:latin typeface="Helvetica" charset="0"/>
-                  </a:rPr>
-                  <a:t>Large number of nodes (</a:t>
-                </a:r>
-                <a14:m>
-                  <m:oMath xmlns:m="http://schemas.openxmlformats.org/officeDocument/2006/math">
-                    <m:sSup>
-                      <m:sSupPr>
-                        <m:ctrlPr>
-                          <a:rPr lang="en-US" sz="2600" i="1" smtClean="0">
-                            <a:effectLst/>
-                            <a:latin typeface="Cambria Math" panose="02040503050406030204" pitchFamily="18" charset="0"/>
-                          </a:rPr>
-                        </m:ctrlPr>
-                      </m:sSupPr>
-                      <m:e>
-                        <m:r>
-                          <a:rPr lang="en-US" sz="2600" b="0" i="1" smtClean="0">
-                            <a:effectLst/>
-                            <a:latin typeface="Cambria Math" panose="02040503050406030204" pitchFamily="18" charset="0"/>
-                          </a:rPr>
-                          <m:t>10</m:t>
-                        </m:r>
-                      </m:e>
-                      <m:sup>
-                        <m:r>
-                          <a:rPr lang="en-US" sz="2600" b="0" i="1" smtClean="0">
-                            <a:effectLst/>
-                            <a:latin typeface="Cambria Math" panose="02040503050406030204" pitchFamily="18" charset="0"/>
-                          </a:rPr>
-                          <m:t>15</m:t>
-                        </m:r>
-                      </m:sup>
-                    </m:sSup>
-                    <m:r>
-                      <a:rPr lang="en-US" sz="2600" b="0" i="1" smtClean="0">
-                        <a:effectLst/>
-                        <a:latin typeface="Cambria Math" panose="02040503050406030204" pitchFamily="18" charset="0"/>
-                      </a:rPr>
-                      <m:t>)</m:t>
-                    </m:r>
-                  </m:oMath>
-                </a14:m>
-                <a:endParaRPr lang="en-US" sz="2600" dirty="0" smtClean="0">
-                  <a:effectLst/>
-                  <a:latin typeface="Helvetica" charset="0"/>
-                </a:endParaRPr>
-              </a:p>
-              <a:p>
-                <a:pPr lvl="1">
-                  <a:lnSpc>
-                    <a:spcPct val="80000"/>
-                  </a:lnSpc>
-                  <a:spcBef>
-                    <a:spcPct val="15000"/>
-                  </a:spcBef>
-                  <a:buClr>
-                    <a:schemeClr val="accent2"/>
-                  </a:buClr>
-                  <a:buSzPct val="75000"/>
-                  <a:buFont typeface="Wingdings" charset="2"/>
-                  <a:buChar char="o"/>
-                </a:pPr>
-                <a:r>
-                  <a:rPr lang="en-US" sz="2600" dirty="0" smtClean="0">
-                    <a:effectLst/>
-                    <a:latin typeface="Helvetica" charset="0"/>
-                  </a:rPr>
-                  <a:t>Low power per node (µW)</a:t>
-                </a:r>
-                <a:endParaRPr lang="en-US" sz="2600" dirty="0">
-                  <a:effectLst/>
-                  <a:latin typeface="Helvetica" charset="0"/>
-                </a:endParaRPr>
-              </a:p>
-              <a:p>
-                <a:pPr lvl="1">
-                  <a:lnSpc>
-                    <a:spcPct val="80000"/>
-                  </a:lnSpc>
-                  <a:spcBef>
-                    <a:spcPct val="15000"/>
-                  </a:spcBef>
-                  <a:buClr>
-                    <a:schemeClr val="accent1"/>
-                  </a:buClr>
-                  <a:buSzPct val="75000"/>
-                  <a:buFont typeface="Wingdings" charset="2"/>
-                  <a:buChar char="o"/>
-                </a:pPr>
-                <a:endParaRPr lang="en-US" sz="3200" dirty="0" smtClean="0">
-                  <a:effectLst/>
-                  <a:latin typeface="Helvetica" charset="0"/>
-                </a:endParaRPr>
-              </a:p>
-              <a:p>
-                <a:pPr>
-                  <a:lnSpc>
-                    <a:spcPct val="80000"/>
-                  </a:lnSpc>
-                  <a:spcBef>
-                    <a:spcPct val="15000"/>
-                  </a:spcBef>
-                  <a:buClr>
-                    <a:schemeClr val="accent1"/>
-                  </a:buClr>
-                  <a:buSzPct val="75000"/>
-                  <a:buFont typeface="Wingdings" charset="2"/>
-                  <a:buChar char="o"/>
-                </a:pPr>
-                <a:r>
-                  <a:rPr lang="en-US" sz="3200" dirty="0" smtClean="0">
-                    <a:latin typeface="Helvetica" charset="0"/>
-                  </a:rPr>
-                  <a:t>Designed with security in mind</a:t>
-                </a:r>
-                <a:endParaRPr lang="en-US" sz="3200" dirty="0">
-                  <a:latin typeface="Helvetica" charset="0"/>
-                </a:endParaRPr>
-              </a:p>
-              <a:p>
-                <a:pPr lvl="1">
-                  <a:lnSpc>
-                    <a:spcPct val="80000"/>
-                  </a:lnSpc>
-                  <a:spcBef>
-                    <a:spcPct val="15000"/>
-                  </a:spcBef>
-                  <a:buClr>
-                    <a:schemeClr val="accent2"/>
-                  </a:buClr>
-                  <a:buSzPct val="75000"/>
-                  <a:buFont typeface="Wingdings" charset="2"/>
-                  <a:buChar char="o"/>
-                </a:pPr>
-                <a:r>
-                  <a:rPr lang="en-US" sz="2600" dirty="0" smtClean="0">
-                    <a:latin typeface="Helvetica" charset="0"/>
-                  </a:rPr>
-                  <a:t>Encrypt and sign every transmission</a:t>
-                </a:r>
-              </a:p>
-              <a:p>
-                <a:pPr lvl="1">
-                  <a:lnSpc>
-                    <a:spcPct val="80000"/>
-                  </a:lnSpc>
-                  <a:spcBef>
-                    <a:spcPct val="15000"/>
-                  </a:spcBef>
-                  <a:buClr>
-                    <a:schemeClr val="accent2"/>
-                  </a:buClr>
-                  <a:buSzPct val="75000"/>
-                  <a:buFont typeface="Wingdings" charset="2"/>
-                  <a:buChar char="o"/>
-                </a:pPr>
-                <a:r>
-                  <a:rPr lang="en-US" sz="2600" dirty="0" smtClean="0">
-                    <a:latin typeface="Helvetica" charset="0"/>
-                  </a:rPr>
-                  <a:t>Unique key-pair for every node (hard with RSA!)</a:t>
-                </a:r>
-              </a:p>
-              <a:p>
-                <a:pPr marL="698500" lvl="1" indent="0">
-                  <a:lnSpc>
-                    <a:spcPct val="80000"/>
-                  </a:lnSpc>
-                  <a:spcBef>
-                    <a:spcPct val="15000"/>
-                  </a:spcBef>
-                  <a:buClr>
-                    <a:schemeClr val="accent1"/>
-                  </a:buClr>
-                  <a:buSzPct val="75000"/>
-                </a:pPr>
-                <a:endParaRPr lang="en-US" sz="3200" dirty="0" smtClean="0">
-                  <a:latin typeface="Helvetica" charset="0"/>
-                </a:endParaRPr>
-              </a:p>
-              <a:p>
-                <a:pPr>
-                  <a:lnSpc>
-                    <a:spcPct val="80000"/>
-                  </a:lnSpc>
-                  <a:spcBef>
-                    <a:spcPct val="15000"/>
-                  </a:spcBef>
-                  <a:buClr>
-                    <a:schemeClr val="accent1"/>
-                  </a:buClr>
-                  <a:buSzPct val="75000"/>
-                  <a:buFont typeface="Wingdings" charset="2"/>
-                  <a:buChar char="o"/>
-                </a:pPr>
-                <a:r>
-                  <a:rPr lang="en-US" sz="3200" dirty="0" smtClean="0">
-                    <a:latin typeface="Helvetica" charset="0"/>
-                  </a:rPr>
-                  <a:t>On a CPU, ECDSA is </a:t>
-                </a:r>
-                <a:r>
-                  <a:rPr lang="en-US" sz="3200" dirty="0" err="1" smtClean="0">
-                    <a:latin typeface="Helvetica" charset="0"/>
-                  </a:rPr>
-                  <a:t>mJ</a:t>
-                </a:r>
-                <a:r>
-                  <a:rPr lang="en-US" sz="3200" dirty="0" smtClean="0">
-                    <a:latin typeface="Helvetica" charset="0"/>
-                  </a:rPr>
-                  <a:t> per signature</a:t>
-                </a:r>
-                <a:endParaRPr lang="en-US" sz="3200" dirty="0">
-                  <a:latin typeface="Helvetica" charset="0"/>
-                </a:endParaRPr>
-              </a:p>
-              <a:p>
-                <a:pPr lvl="1">
-                  <a:lnSpc>
-                    <a:spcPct val="80000"/>
-                  </a:lnSpc>
-                  <a:spcBef>
-                    <a:spcPct val="15000"/>
-                  </a:spcBef>
-                  <a:buClr>
-                    <a:schemeClr val="accent2"/>
-                  </a:buClr>
-                  <a:buSzPct val="75000"/>
-                  <a:buFont typeface="Wingdings" charset="2"/>
-                  <a:buChar char="o"/>
-                </a:pPr>
-                <a:r>
-                  <a:rPr lang="en-US" sz="2600" dirty="0" smtClean="0">
-                    <a:latin typeface="Helvetica" charset="0"/>
-                  </a:rPr>
-                  <a:t>1 transmission per 1000 seconds burns the </a:t>
-                </a:r>
-                <a:r>
-                  <a:rPr lang="en-US" sz="2600" dirty="0" err="1" smtClean="0">
-                    <a:latin typeface="Helvetica" charset="0"/>
-                  </a:rPr>
-                  <a:t>bugdet</a:t>
-                </a:r>
-                <a:r>
-                  <a:rPr lang="en-US" sz="2600" dirty="0" smtClean="0">
-                    <a:latin typeface="Helvetica" charset="0"/>
-                  </a:rPr>
-                  <a:t>!</a:t>
-                </a:r>
-              </a:p>
-              <a:p>
-                <a:pPr lvl="1">
-                  <a:lnSpc>
-                    <a:spcPct val="80000"/>
-                  </a:lnSpc>
-                  <a:spcBef>
-                    <a:spcPct val="15000"/>
-                  </a:spcBef>
-                  <a:buClr>
-                    <a:schemeClr val="accent2"/>
-                  </a:buClr>
-                  <a:buSzPct val="75000"/>
-                  <a:buFont typeface="Wingdings" charset="2"/>
-                  <a:buChar char="o"/>
-                </a:pPr>
-                <a:r>
-                  <a:rPr lang="en-US" sz="2600" dirty="0" smtClean="0">
-                    <a:latin typeface="Helvetica" charset="0"/>
-                  </a:rPr>
-                  <a:t>We need a 1000x improvement in </a:t>
-                </a:r>
-                <a:r>
-                  <a:rPr lang="en-US" sz="2600" smtClean="0">
-                    <a:latin typeface="Helvetica" charset="0"/>
-                  </a:rPr>
-                  <a:t>energy per signature</a:t>
-                </a:r>
-                <a:endParaRPr lang="en-US" sz="2600" dirty="0">
-                  <a:latin typeface="Helvetica" charset="0"/>
-                </a:endParaRPr>
-              </a:p>
-              <a:p>
-                <a:pPr lvl="1">
-                  <a:lnSpc>
-                    <a:spcPct val="80000"/>
-                  </a:lnSpc>
-                  <a:spcBef>
-                    <a:spcPct val="15000"/>
-                  </a:spcBef>
-                  <a:buClr>
-                    <a:schemeClr val="accent2"/>
-                  </a:buClr>
-                  <a:buSzPct val="75000"/>
-                  <a:buFont typeface="Wingdings" charset="2"/>
-                  <a:buChar char="o"/>
-                </a:pPr>
-                <a:endParaRPr lang="en-US" sz="2600" dirty="0" smtClean="0">
-                  <a:latin typeface="Helvetica" charset="0"/>
-                </a:endParaRPr>
-              </a:p>
-              <a:p>
-                <a:pPr marL="698500" lvl="1" indent="0">
-                  <a:lnSpc>
-                    <a:spcPct val="80000"/>
-                  </a:lnSpc>
-                  <a:spcBef>
-                    <a:spcPct val="15000"/>
-                  </a:spcBef>
-                  <a:buClr>
-                    <a:schemeClr val="accent1"/>
-                  </a:buClr>
-                  <a:buSzPct val="75000"/>
-                </a:pPr>
-                <a:endParaRPr lang="en-US" sz="3200" dirty="0">
-                  <a:effectLst/>
-                  <a:latin typeface="Helvetica" charset="0"/>
-                </a:endParaRPr>
-              </a:p>
-              <a:p>
-                <a:pPr>
-                  <a:lnSpc>
-                    <a:spcPct val="80000"/>
-                  </a:lnSpc>
-                  <a:spcBef>
-                    <a:spcPct val="15000"/>
-                  </a:spcBef>
-                  <a:buClr>
-                    <a:schemeClr val="accent1"/>
-                  </a:buClr>
-                  <a:buSzPct val="75000"/>
-                  <a:buFont typeface="Wingdings" charset="2"/>
-                  <a:buChar char="o"/>
-                </a:pPr>
-                <a:r>
-                  <a:rPr lang="en-US" sz="3200" dirty="0" smtClean="0">
-                    <a:effectLst/>
-                    <a:latin typeface="Helvetica" charset="0"/>
-                  </a:rPr>
-                  <a:t>Solution: </a:t>
-                </a:r>
-                <a:r>
-                  <a:rPr lang="en-US" sz="3200" b="1" dirty="0" smtClean="0">
-                    <a:effectLst/>
-                    <a:latin typeface="Helvetica" charset="0"/>
-                  </a:rPr>
-                  <a:t>Crypto in Hardware</a:t>
-                </a:r>
-                <a:endParaRPr lang="en-US" sz="2600" b="1" dirty="0">
-                  <a:effectLst/>
-                  <a:latin typeface="Helvetica" charset="0"/>
-                </a:endParaRPr>
-              </a:p>
-              <a:p>
-                <a:pPr lvl="1">
-                  <a:lnSpc>
-                    <a:spcPct val="80000"/>
-                  </a:lnSpc>
-                  <a:spcBef>
-                    <a:spcPct val="15000"/>
-                  </a:spcBef>
-                  <a:buClr>
-                    <a:schemeClr val="accent1"/>
-                  </a:buClr>
-                  <a:buSzPct val="75000"/>
-                </a:pPr>
-                <a:endParaRPr lang="en-US" sz="2600" dirty="0">
-                  <a:effectLst/>
-                  <a:latin typeface="Helvetica" charset="0"/>
-                </a:endParaRPr>
-              </a:p>
-            </p:txBody>
-          </p:sp>
-        </mc:Choice>
-        <mc:Fallback>
-          <p:sp>
-            <p:nvSpPr>
-              <p:cNvPr id="41" name="Text Box 1383"/>
-              <p:cNvSpPr txBox="1">
-                <a:spLocks noRot="1" noChangeAspect="1" noMove="1" noResize="1" noEditPoints="1" noAdjustHandles="1" noChangeArrowheads="1" noChangeShapeType="1" noTextEdit="1"/>
-              </p:cNvSpPr>
-              <p:nvPr/>
-            </p:nvSpPr>
-            <p:spPr bwMode="auto">
-              <a:xfrm>
-                <a:off x="1497313" y="12153470"/>
-                <a:ext cx="10231064" cy="6338338"/>
-              </a:xfrm>
-              <a:prstGeom prst="rect">
-                <a:avLst/>
-              </a:prstGeom>
-              <a:blipFill rotWithShape="0">
-                <a:blip r:embed="rId12"/>
-                <a:stretch>
-                  <a:fillRect l="-834" t="-2791"/>
-                </a:stretch>
-              </a:blipFill>
-              <a:ln>
-                <a:noFill/>
-              </a:ln>
-              <a:extLst>
-                <a:ext uri="{909E8E84-426E-40dd-AFC4-6F175D3DCCD1}">
-                  <a14:hiddenFill xmlns:a14="http://schemas.microsoft.com/office/drawing/2010/main" xmlns="">
-                    <a:solidFill>
-                      <a:srgbClr val="FFFFFF"/>
-                    </a:solidFill>
-                  </a14:hiddenFill>
-                </a:ext>
-                <a:ext uri="{91240B29-F687-4f45-9708-019B960494DF}">
-                  <a14:hiddenLine xmlns:a14="http://schemas.microsoft.com/office/drawing/2010/main" xmlns="" w="9525">
-                    <a:solidFill>
-                      <a:srgbClr val="000000"/>
-                    </a:solidFill>
-                    <a:miter lim="800000"/>
-                    <a:headEnd/>
-                    <a:tailEnd/>
-                  </a14:hiddenLine>
-                </a:ext>
-              </a:extLst>
-            </p:spPr>
-            <p:txBody>
-              <a:bodyPr/>
-              <a:lstStyle/>
-              <a:p>
-                <a:r>
-                  <a:rPr lang="en-US">
-                    <a:noFill/>
-                  </a:rPr>
-                  <a:t> </a:t>
-                </a:r>
-              </a:p>
-            </p:txBody>
-          </p:sp>
-        </mc:Fallback>
-      </mc:AlternateContent>
+      <p:sp>
+        <p:nvSpPr>
+          <p:cNvPr id="41" name="Text Box 1383"/>
+          <p:cNvSpPr txBox="1">
+            <a:spLocks noChangeArrowheads="1"/>
+          </p:cNvSpPr>
+          <p:nvPr/>
+        </p:nvSpPr>
+        <p:spPr bwMode="auto">
+          <a:xfrm>
+            <a:off x="2037136" y="6781800"/>
+            <a:ext cx="10231064" cy="6785961"/>
+          </a:xfrm>
+          <a:prstGeom prst="rect">
+            <a:avLst/>
+          </a:prstGeom>
+          <a:noFill/>
+          <a:ln>
+            <a:noFill/>
+          </a:ln>
+          <a:extLst>
+            <a:ext uri="{909E8E84-426E-40dd-AFC4-6F175D3DCCD1}">
+              <a14:hiddenFill xmlns:a14="http://schemas.microsoft.com/office/drawing/2010/main">
+                <a:solidFill>
+                  <a:srgbClr val="FFFFFF"/>
+                </a:solidFill>
+              </a14:hiddenFill>
+            </a:ext>
+            <a:ext uri="{91240B29-F687-4f45-9708-019B960494DF}">
+              <a14:hiddenLine xmlns:a14="http://schemas.microsoft.com/office/drawing/2010/main" w="9525">
+                <a:solidFill>
+                  <a:srgbClr val="000000"/>
+                </a:solidFill>
+                <a:miter lim="800000"/>
+                <a:headEnd/>
+                <a:tailEnd/>
+              </a14:hiddenLine>
+            </a:ext>
+          </a:extLst>
+        </p:spPr>
+        <p:txBody>
+          <a:bodyPr wrap="square">
+            <a:spAutoFit/>
+          </a:bodyPr>
+          <a:lstStyle>
+            <a:lvl1pPr marL="457200" indent="-457200">
+              <a:defRPr sz="3000">
+                <a:solidFill>
+                  <a:schemeClr val="tx1"/>
+                </a:solidFill>
+                <a:latin typeface="Times" charset="0"/>
+                <a:ea typeface="ＭＳ Ｐゴシック" charset="-128"/>
+              </a:defRPr>
+            </a:lvl1pPr>
+            <a:lvl2pPr marL="1092200" indent="-393700">
+              <a:defRPr sz="3000">
+                <a:solidFill>
+                  <a:schemeClr val="tx1"/>
+                </a:solidFill>
+                <a:latin typeface="Times" charset="0"/>
+                <a:ea typeface="ＭＳ Ｐゴシック" charset="-128"/>
+              </a:defRPr>
+            </a:lvl2pPr>
+            <a:lvl3pPr>
+              <a:defRPr sz="3000">
+                <a:solidFill>
+                  <a:schemeClr val="tx1"/>
+                </a:solidFill>
+                <a:latin typeface="Times" charset="0"/>
+                <a:ea typeface="ＭＳ Ｐゴシック" charset="-128"/>
+              </a:defRPr>
+            </a:lvl3pPr>
+            <a:lvl4pPr>
+              <a:defRPr sz="3000">
+                <a:solidFill>
+                  <a:schemeClr val="tx1"/>
+                </a:solidFill>
+                <a:latin typeface="Times" charset="0"/>
+                <a:ea typeface="ＭＳ Ｐゴシック" charset="-128"/>
+              </a:defRPr>
+            </a:lvl4pPr>
+            <a:lvl5pPr>
+              <a:defRPr sz="3000">
+                <a:solidFill>
+                  <a:schemeClr val="tx1"/>
+                </a:solidFill>
+                <a:latin typeface="Times" charset="0"/>
+                <a:ea typeface="ＭＳ Ｐゴシック" charset="-128"/>
+              </a:defRPr>
+            </a:lvl5pPr>
+            <a:lvl6pPr marL="457200" eaLnBrk="0" fontAlgn="base" hangingPunct="0">
+              <a:spcBef>
+                <a:spcPct val="0"/>
+              </a:spcBef>
+              <a:spcAft>
+                <a:spcPct val="0"/>
+              </a:spcAft>
+              <a:defRPr sz="3000">
+                <a:solidFill>
+                  <a:schemeClr val="tx1"/>
+                </a:solidFill>
+                <a:latin typeface="Times" charset="0"/>
+                <a:ea typeface="ＭＳ Ｐゴシック" charset="-128"/>
+              </a:defRPr>
+            </a:lvl6pPr>
+            <a:lvl7pPr marL="914400" eaLnBrk="0" fontAlgn="base" hangingPunct="0">
+              <a:spcBef>
+                <a:spcPct val="0"/>
+              </a:spcBef>
+              <a:spcAft>
+                <a:spcPct val="0"/>
+              </a:spcAft>
+              <a:defRPr sz="3000">
+                <a:solidFill>
+                  <a:schemeClr val="tx1"/>
+                </a:solidFill>
+                <a:latin typeface="Times" charset="0"/>
+                <a:ea typeface="ＭＳ Ｐゴシック" charset="-128"/>
+              </a:defRPr>
+            </a:lvl7pPr>
+            <a:lvl8pPr marL="1371600" eaLnBrk="0" fontAlgn="base" hangingPunct="0">
+              <a:spcBef>
+                <a:spcPct val="0"/>
+              </a:spcBef>
+              <a:spcAft>
+                <a:spcPct val="0"/>
+              </a:spcAft>
+              <a:defRPr sz="3000">
+                <a:solidFill>
+                  <a:schemeClr val="tx1"/>
+                </a:solidFill>
+                <a:latin typeface="Times" charset="0"/>
+                <a:ea typeface="ＭＳ Ｐゴシック" charset="-128"/>
+              </a:defRPr>
+            </a:lvl8pPr>
+            <a:lvl9pPr marL="1828800" eaLnBrk="0" fontAlgn="base" hangingPunct="0">
+              <a:spcBef>
+                <a:spcPct val="0"/>
+              </a:spcBef>
+              <a:spcAft>
+                <a:spcPct val="0"/>
+              </a:spcAft>
+              <a:defRPr sz="3000">
+                <a:solidFill>
+                  <a:schemeClr val="tx1"/>
+                </a:solidFill>
+                <a:latin typeface="Times" charset="0"/>
+                <a:ea typeface="ＭＳ Ｐゴシック" charset="-128"/>
+              </a:defRPr>
+            </a:lvl9pPr>
+          </a:lstStyle>
+          <a:p>
+            <a:pPr>
+              <a:lnSpc>
+                <a:spcPct val="80000"/>
+              </a:lnSpc>
+              <a:spcBef>
+                <a:spcPct val="15000"/>
+              </a:spcBef>
+              <a:buClr>
+                <a:schemeClr val="accent1"/>
+              </a:buClr>
+              <a:buSzPct val="75000"/>
+              <a:buFont typeface="Wingdings" charset="2"/>
+              <a:buChar char="o"/>
+            </a:pPr>
+            <a:r>
+              <a:rPr lang="en-US" sz="3200" dirty="0" smtClean="0">
+                <a:effectLst/>
+                <a:latin typeface="Helvetica" charset="0"/>
+              </a:rPr>
+              <a:t>Original motivating project: Universal </a:t>
+            </a:r>
+            <a:r>
+              <a:rPr lang="en-US" sz="3200" dirty="0" err="1" smtClean="0">
+                <a:effectLst/>
+                <a:latin typeface="Helvetica" charset="0"/>
+              </a:rPr>
+              <a:t>Dataplane</a:t>
+            </a:r>
+            <a:endParaRPr lang="en-US" sz="3200" dirty="0">
+              <a:effectLst/>
+              <a:latin typeface="Helvetica" charset="0"/>
+            </a:endParaRPr>
+          </a:p>
+          <a:p>
+            <a:pPr lvl="1">
+              <a:lnSpc>
+                <a:spcPct val="80000"/>
+              </a:lnSpc>
+              <a:spcBef>
+                <a:spcPct val="15000"/>
+              </a:spcBef>
+              <a:buClr>
+                <a:schemeClr val="accent2"/>
+              </a:buClr>
+              <a:buSzPct val="75000"/>
+              <a:buFont typeface="Wingdings" charset="2"/>
+              <a:buChar char="o"/>
+            </a:pPr>
+            <a:r>
+              <a:rPr lang="en-US" sz="2600" dirty="0" smtClean="0">
+                <a:effectLst/>
+                <a:latin typeface="Helvetica" charset="0"/>
+              </a:rPr>
+              <a:t>Large number of nodes </a:t>
+            </a:r>
+            <a:r>
+              <a:rPr lang="en-US" sz="2600" dirty="0" smtClean="0">
+                <a:latin typeface="Helvetica" charset="0"/>
+              </a:rPr>
+              <a:t>(10^15)</a:t>
+            </a:r>
+            <a:endParaRPr lang="en-US" sz="2600" dirty="0" smtClean="0">
+              <a:effectLst/>
+              <a:latin typeface="Helvetica" charset="0"/>
+            </a:endParaRPr>
+          </a:p>
+          <a:p>
+            <a:pPr lvl="1">
+              <a:lnSpc>
+                <a:spcPct val="80000"/>
+              </a:lnSpc>
+              <a:spcBef>
+                <a:spcPct val="15000"/>
+              </a:spcBef>
+              <a:buClr>
+                <a:schemeClr val="accent2"/>
+              </a:buClr>
+              <a:buSzPct val="75000"/>
+              <a:buFont typeface="Wingdings" charset="2"/>
+              <a:buChar char="o"/>
+            </a:pPr>
+            <a:r>
+              <a:rPr lang="en-US" sz="2600" dirty="0" smtClean="0">
+                <a:effectLst/>
+                <a:latin typeface="Helvetica" charset="0"/>
+              </a:rPr>
+              <a:t>Low power per node (µW)</a:t>
+            </a:r>
+            <a:endParaRPr lang="en-US" sz="2600" dirty="0">
+              <a:effectLst/>
+              <a:latin typeface="Helvetica" charset="0"/>
+            </a:endParaRPr>
+          </a:p>
+          <a:p>
+            <a:pPr lvl="1">
+              <a:lnSpc>
+                <a:spcPct val="80000"/>
+              </a:lnSpc>
+              <a:spcBef>
+                <a:spcPct val="15000"/>
+              </a:spcBef>
+              <a:buClr>
+                <a:schemeClr val="accent1"/>
+              </a:buClr>
+              <a:buSzPct val="75000"/>
+              <a:buFont typeface="Wingdings" charset="2"/>
+              <a:buChar char="o"/>
+            </a:pPr>
+            <a:endParaRPr lang="en-US" sz="3200" dirty="0" smtClean="0">
+              <a:effectLst/>
+              <a:latin typeface="Helvetica" charset="0"/>
+            </a:endParaRPr>
+          </a:p>
+          <a:p>
+            <a:pPr>
+              <a:lnSpc>
+                <a:spcPct val="80000"/>
+              </a:lnSpc>
+              <a:spcBef>
+                <a:spcPct val="15000"/>
+              </a:spcBef>
+              <a:buClr>
+                <a:schemeClr val="accent1"/>
+              </a:buClr>
+              <a:buSzPct val="75000"/>
+              <a:buFont typeface="Wingdings" charset="2"/>
+              <a:buChar char="o"/>
+            </a:pPr>
+            <a:r>
+              <a:rPr lang="en-US" sz="3200" dirty="0" smtClean="0">
+                <a:latin typeface="Helvetica" charset="0"/>
+              </a:rPr>
+              <a:t>Designed with security in mind</a:t>
+            </a:r>
+            <a:endParaRPr lang="en-US" sz="3200" dirty="0">
+              <a:latin typeface="Helvetica" charset="0"/>
+            </a:endParaRPr>
+          </a:p>
+          <a:p>
+            <a:pPr lvl="1">
+              <a:lnSpc>
+                <a:spcPct val="80000"/>
+              </a:lnSpc>
+              <a:spcBef>
+                <a:spcPct val="15000"/>
+              </a:spcBef>
+              <a:buClr>
+                <a:schemeClr val="accent2"/>
+              </a:buClr>
+              <a:buSzPct val="75000"/>
+              <a:buFont typeface="Wingdings" charset="2"/>
+              <a:buChar char="o"/>
+            </a:pPr>
+            <a:r>
+              <a:rPr lang="en-US" sz="2600" dirty="0" smtClean="0">
+                <a:latin typeface="Helvetica" charset="0"/>
+              </a:rPr>
+              <a:t>Encrypt and sign every transmission</a:t>
+            </a:r>
+          </a:p>
+          <a:p>
+            <a:pPr lvl="1">
+              <a:lnSpc>
+                <a:spcPct val="80000"/>
+              </a:lnSpc>
+              <a:spcBef>
+                <a:spcPct val="15000"/>
+              </a:spcBef>
+              <a:buClr>
+                <a:schemeClr val="accent2"/>
+              </a:buClr>
+              <a:buSzPct val="75000"/>
+              <a:buFont typeface="Wingdings" charset="2"/>
+              <a:buChar char="o"/>
+            </a:pPr>
+            <a:r>
+              <a:rPr lang="en-US" sz="2600" dirty="0" smtClean="0">
+                <a:latin typeface="Helvetica" charset="0"/>
+              </a:rPr>
+              <a:t>Unique key-pair for every node (hard with RSA!)</a:t>
+            </a:r>
+          </a:p>
+          <a:p>
+            <a:pPr marL="698500" lvl="1" indent="0">
+              <a:lnSpc>
+                <a:spcPct val="80000"/>
+              </a:lnSpc>
+              <a:spcBef>
+                <a:spcPct val="15000"/>
+              </a:spcBef>
+              <a:buClr>
+                <a:schemeClr val="accent1"/>
+              </a:buClr>
+              <a:buSzPct val="75000"/>
+            </a:pPr>
+            <a:endParaRPr lang="en-US" sz="3200" dirty="0" smtClean="0">
+              <a:latin typeface="Helvetica" charset="0"/>
+            </a:endParaRPr>
+          </a:p>
+          <a:p>
+            <a:pPr>
+              <a:lnSpc>
+                <a:spcPct val="80000"/>
+              </a:lnSpc>
+              <a:spcBef>
+                <a:spcPct val="15000"/>
+              </a:spcBef>
+              <a:buClr>
+                <a:schemeClr val="accent1"/>
+              </a:buClr>
+              <a:buSzPct val="75000"/>
+              <a:buFont typeface="Wingdings" charset="2"/>
+              <a:buChar char="o"/>
+            </a:pPr>
+            <a:r>
+              <a:rPr lang="en-US" sz="3200" dirty="0" smtClean="0">
+                <a:latin typeface="Helvetica" charset="0"/>
+              </a:rPr>
+              <a:t>On a CPU, ECDSA is </a:t>
+            </a:r>
+            <a:r>
+              <a:rPr lang="en-US" sz="3200" dirty="0" err="1" smtClean="0">
+                <a:latin typeface="Helvetica" charset="0"/>
+              </a:rPr>
+              <a:t>mJ</a:t>
+            </a:r>
+            <a:r>
+              <a:rPr lang="en-US" sz="3200" dirty="0" smtClean="0">
+                <a:latin typeface="Helvetica" charset="0"/>
+              </a:rPr>
+              <a:t> per signature</a:t>
+            </a:r>
+            <a:endParaRPr lang="en-US" sz="3200" dirty="0">
+              <a:latin typeface="Helvetica" charset="0"/>
+            </a:endParaRPr>
+          </a:p>
+          <a:p>
+            <a:pPr lvl="1">
+              <a:lnSpc>
+                <a:spcPct val="80000"/>
+              </a:lnSpc>
+              <a:spcBef>
+                <a:spcPct val="15000"/>
+              </a:spcBef>
+              <a:buClr>
+                <a:schemeClr val="accent2"/>
+              </a:buClr>
+              <a:buSzPct val="75000"/>
+              <a:buFont typeface="Wingdings" charset="2"/>
+              <a:buChar char="o"/>
+            </a:pPr>
+            <a:r>
+              <a:rPr lang="en-US" sz="2600" dirty="0" smtClean="0">
+                <a:latin typeface="Helvetica" charset="0"/>
+              </a:rPr>
+              <a:t>1 transmission per 1000 seconds burns the budget!</a:t>
+            </a:r>
+          </a:p>
+          <a:p>
+            <a:pPr lvl="1">
+              <a:lnSpc>
+                <a:spcPct val="80000"/>
+              </a:lnSpc>
+              <a:spcBef>
+                <a:spcPct val="15000"/>
+              </a:spcBef>
+              <a:buClr>
+                <a:schemeClr val="accent2"/>
+              </a:buClr>
+              <a:buSzPct val="75000"/>
+              <a:buFont typeface="Wingdings" charset="2"/>
+              <a:buChar char="o"/>
+            </a:pPr>
+            <a:r>
+              <a:rPr lang="en-US" sz="2600" dirty="0" smtClean="0">
+                <a:latin typeface="Helvetica" charset="0"/>
+              </a:rPr>
+              <a:t>We need a 1000x improvement in energy per signature</a:t>
+            </a:r>
+            <a:endParaRPr lang="en-US" sz="2600" dirty="0">
+              <a:latin typeface="Helvetica" charset="0"/>
+            </a:endParaRPr>
+          </a:p>
+          <a:p>
+            <a:pPr marL="698500" lvl="1" indent="0">
+              <a:lnSpc>
+                <a:spcPct val="80000"/>
+              </a:lnSpc>
+              <a:spcBef>
+                <a:spcPct val="15000"/>
+              </a:spcBef>
+              <a:buClr>
+                <a:schemeClr val="accent1"/>
+              </a:buClr>
+              <a:buSzPct val="75000"/>
+            </a:pPr>
+            <a:endParaRPr lang="en-US" sz="3200" dirty="0">
+              <a:effectLst/>
+              <a:latin typeface="Helvetica" charset="0"/>
+            </a:endParaRPr>
+          </a:p>
+          <a:p>
+            <a:pPr>
+              <a:lnSpc>
+                <a:spcPct val="80000"/>
+              </a:lnSpc>
+              <a:spcBef>
+                <a:spcPct val="15000"/>
+              </a:spcBef>
+              <a:buClr>
+                <a:schemeClr val="accent1"/>
+              </a:buClr>
+              <a:buSzPct val="75000"/>
+              <a:buFont typeface="Wingdings" charset="2"/>
+              <a:buChar char="o"/>
+            </a:pPr>
+            <a:r>
+              <a:rPr lang="en-US" sz="3200" dirty="0">
+                <a:latin typeface="Helvetica" charset="0"/>
+              </a:rPr>
+              <a:t>Swarm devices have limited capabilities</a:t>
+            </a:r>
+          </a:p>
+          <a:p>
+            <a:pPr lvl="1">
+              <a:lnSpc>
+                <a:spcPct val="80000"/>
+              </a:lnSpc>
+              <a:spcBef>
+                <a:spcPct val="15000"/>
+              </a:spcBef>
+              <a:buClr>
+                <a:srgbClr val="CC0000"/>
+              </a:buClr>
+              <a:buSzPct val="75000"/>
+              <a:buFont typeface="Wingdings" charset="2"/>
+              <a:buChar char="o"/>
+            </a:pPr>
+            <a:r>
+              <a:rPr lang="en-US" sz="2600" dirty="0">
+                <a:latin typeface="Helvetica" charset="0"/>
+              </a:rPr>
+              <a:t>What is the bare amount of hardware needed?</a:t>
+            </a:r>
+          </a:p>
+          <a:p>
+            <a:pPr lvl="1">
+              <a:lnSpc>
+                <a:spcPct val="80000"/>
+              </a:lnSpc>
+              <a:spcBef>
+                <a:spcPct val="15000"/>
+              </a:spcBef>
+              <a:buClr>
+                <a:srgbClr val="CC0000"/>
+              </a:buClr>
+              <a:buSzPct val="75000"/>
+              <a:buFont typeface="Wingdings" charset="2"/>
+              <a:buChar char="o"/>
+            </a:pPr>
+            <a:r>
+              <a:rPr lang="en-US" sz="2600" dirty="0">
+                <a:latin typeface="Helvetica" charset="0"/>
+              </a:rPr>
+              <a:t>Is specialized hardware for crypto worth it?</a:t>
+            </a:r>
+          </a:p>
+          <a:p>
+            <a:pPr lvl="1">
+              <a:lnSpc>
+                <a:spcPct val="80000"/>
+              </a:lnSpc>
+              <a:spcBef>
+                <a:spcPct val="15000"/>
+              </a:spcBef>
+              <a:buClr>
+                <a:schemeClr val="accent1"/>
+              </a:buClr>
+              <a:buSzPct val="75000"/>
+            </a:pPr>
+            <a:endParaRPr lang="en-US" sz="2600" dirty="0">
+              <a:effectLst/>
+              <a:latin typeface="Helvetica" charset="0"/>
+            </a:endParaRPr>
+          </a:p>
+        </p:txBody>
+      </p:sp>
+      <p:pic>
+        <p:nvPicPr>
+          <p:cNvPr id="4" name="Picture 3" descr="Screen Shot 2014-01-08 at 12.51.55 AM.png"/>
+          <p:cNvPicPr>
+            <a:picLocks noChangeAspect="1"/>
+          </p:cNvPicPr>
+          <p:nvPr/>
+        </p:nvPicPr>
+        <p:blipFill>
+          <a:blip r:embed="rId11">
+            <a:clrChange>
+              <a:clrFrom>
+                <a:srgbClr val="FAFAFA"/>
+              </a:clrFrom>
+              <a:clrTo>
+                <a:srgbClr val="FAFAFA">
+                  <a:alpha val="0"/>
+                </a:srgbClr>
+              </a:clrTo>
+            </a:clrChange>
+            <a:extLst>
+              <a:ext uri="{28A0092B-C50C-407E-A947-70E740481C1C}">
+                <a14:useLocalDpi xmlns:a14="http://schemas.microsoft.com/office/drawing/2010/main" val="0"/>
+              </a:ext>
+            </a:extLst>
+          </a:blip>
+          <a:stretch>
+            <a:fillRect/>
+          </a:stretch>
+        </p:blipFill>
+        <p:spPr>
+          <a:xfrm>
+            <a:off x="2362200" y="13487400"/>
+            <a:ext cx="8547693" cy="5296268"/>
+          </a:xfrm>
+          <a:prstGeom prst="rect">
+            <a:avLst/>
+          </a:prstGeom>
+        </p:spPr>
+      </p:pic>
+      <p:sp>
+        <p:nvSpPr>
+          <p:cNvPr id="43" name="Text Box 1383"/>
+          <p:cNvSpPr txBox="1">
+            <a:spLocks noChangeArrowheads="1"/>
+          </p:cNvSpPr>
+          <p:nvPr/>
+        </p:nvSpPr>
+        <p:spPr bwMode="auto">
+          <a:xfrm>
+            <a:off x="1447800" y="18669000"/>
+            <a:ext cx="9829800" cy="348813"/>
+          </a:xfrm>
+          <a:prstGeom prst="rect">
+            <a:avLst/>
+          </a:prstGeom>
+          <a:noFill/>
+          <a:ln>
+            <a:noFill/>
+          </a:ln>
+          <a:extLst>
+            <a:ext uri="{909E8E84-426E-40dd-AFC4-6F175D3DCCD1}">
+              <a14:hiddenFill xmlns:a14="http://schemas.microsoft.com/office/drawing/2010/main">
+                <a:solidFill>
+                  <a:srgbClr val="FFFFFF"/>
+                </a:solidFill>
+              </a14:hiddenFill>
+            </a:ext>
+            <a:ext uri="{91240B29-F687-4f45-9708-019B960494DF}">
+              <a14:hiddenLine xmlns:a14="http://schemas.microsoft.com/office/drawing/2010/main" w="9525">
+                <a:solidFill>
+                  <a:srgbClr val="000000"/>
+                </a:solidFill>
+                <a:miter lim="800000"/>
+                <a:headEnd/>
+                <a:tailEnd/>
+              </a14:hiddenLine>
+            </a:ext>
+          </a:extLst>
+        </p:spPr>
+        <p:txBody>
+          <a:bodyPr wrap="square">
+            <a:spAutoFit/>
+          </a:bodyPr>
+          <a:lstStyle>
+            <a:lvl1pPr marL="457200" indent="-457200">
+              <a:defRPr sz="3000">
+                <a:solidFill>
+                  <a:schemeClr val="tx1"/>
+                </a:solidFill>
+                <a:latin typeface="Times" charset="0"/>
+                <a:ea typeface="ＭＳ Ｐゴシック" charset="-128"/>
+              </a:defRPr>
+            </a:lvl1pPr>
+            <a:lvl2pPr marL="1092200" indent="-393700">
+              <a:defRPr sz="3000">
+                <a:solidFill>
+                  <a:schemeClr val="tx1"/>
+                </a:solidFill>
+                <a:latin typeface="Times" charset="0"/>
+                <a:ea typeface="ＭＳ Ｐゴシック" charset="-128"/>
+              </a:defRPr>
+            </a:lvl2pPr>
+            <a:lvl3pPr>
+              <a:defRPr sz="3000">
+                <a:solidFill>
+                  <a:schemeClr val="tx1"/>
+                </a:solidFill>
+                <a:latin typeface="Times" charset="0"/>
+                <a:ea typeface="ＭＳ Ｐゴシック" charset="-128"/>
+              </a:defRPr>
+            </a:lvl3pPr>
+            <a:lvl4pPr>
+              <a:defRPr sz="3000">
+                <a:solidFill>
+                  <a:schemeClr val="tx1"/>
+                </a:solidFill>
+                <a:latin typeface="Times" charset="0"/>
+                <a:ea typeface="ＭＳ Ｐゴシック" charset="-128"/>
+              </a:defRPr>
+            </a:lvl4pPr>
+            <a:lvl5pPr>
+              <a:defRPr sz="3000">
+                <a:solidFill>
+                  <a:schemeClr val="tx1"/>
+                </a:solidFill>
+                <a:latin typeface="Times" charset="0"/>
+                <a:ea typeface="ＭＳ Ｐゴシック" charset="-128"/>
+              </a:defRPr>
+            </a:lvl5pPr>
+            <a:lvl6pPr marL="457200" eaLnBrk="0" fontAlgn="base" hangingPunct="0">
+              <a:spcBef>
+                <a:spcPct val="0"/>
+              </a:spcBef>
+              <a:spcAft>
+                <a:spcPct val="0"/>
+              </a:spcAft>
+              <a:defRPr sz="3000">
+                <a:solidFill>
+                  <a:schemeClr val="tx1"/>
+                </a:solidFill>
+                <a:latin typeface="Times" charset="0"/>
+                <a:ea typeface="ＭＳ Ｐゴシック" charset="-128"/>
+              </a:defRPr>
+            </a:lvl6pPr>
+            <a:lvl7pPr marL="914400" eaLnBrk="0" fontAlgn="base" hangingPunct="0">
+              <a:spcBef>
+                <a:spcPct val="0"/>
+              </a:spcBef>
+              <a:spcAft>
+                <a:spcPct val="0"/>
+              </a:spcAft>
+              <a:defRPr sz="3000">
+                <a:solidFill>
+                  <a:schemeClr val="tx1"/>
+                </a:solidFill>
+                <a:latin typeface="Times" charset="0"/>
+                <a:ea typeface="ＭＳ Ｐゴシック" charset="-128"/>
+              </a:defRPr>
+            </a:lvl7pPr>
+            <a:lvl8pPr marL="1371600" eaLnBrk="0" fontAlgn="base" hangingPunct="0">
+              <a:spcBef>
+                <a:spcPct val="0"/>
+              </a:spcBef>
+              <a:spcAft>
+                <a:spcPct val="0"/>
+              </a:spcAft>
+              <a:defRPr sz="3000">
+                <a:solidFill>
+                  <a:schemeClr val="tx1"/>
+                </a:solidFill>
+                <a:latin typeface="Times" charset="0"/>
+                <a:ea typeface="ＭＳ Ｐゴシック" charset="-128"/>
+              </a:defRPr>
+            </a:lvl8pPr>
+            <a:lvl9pPr marL="1828800" eaLnBrk="0" fontAlgn="base" hangingPunct="0">
+              <a:spcBef>
+                <a:spcPct val="0"/>
+              </a:spcBef>
+              <a:spcAft>
+                <a:spcPct val="0"/>
+              </a:spcAft>
+              <a:defRPr sz="3000">
+                <a:solidFill>
+                  <a:schemeClr val="tx1"/>
+                </a:solidFill>
+                <a:latin typeface="Times" charset="0"/>
+                <a:ea typeface="ＭＳ Ｐゴシック" charset="-128"/>
+              </a:defRPr>
+            </a:lvl9pPr>
+          </a:lstStyle>
+          <a:p>
+            <a:pPr marL="698500" lvl="1" indent="0" algn="ctr">
+              <a:lnSpc>
+                <a:spcPct val="80000"/>
+              </a:lnSpc>
+              <a:spcBef>
+                <a:spcPct val="15000"/>
+              </a:spcBef>
+              <a:buClr>
+                <a:schemeClr val="accent2"/>
+              </a:buClr>
+              <a:buSzPct val="75000"/>
+            </a:pPr>
+            <a:r>
+              <a:rPr lang="en-US" sz="2000" b="1" dirty="0" smtClean="0">
+                <a:latin typeface="Helvetica" charset="0"/>
+              </a:rPr>
+              <a:t>Components of the Universal </a:t>
+            </a:r>
+            <a:r>
+              <a:rPr lang="en-US" sz="2000" b="1" dirty="0" err="1" smtClean="0">
+                <a:latin typeface="Helvetica" charset="0"/>
+              </a:rPr>
+              <a:t>Dataplane</a:t>
+            </a:r>
+            <a:endParaRPr lang="en-US" sz="2600" b="1" dirty="0">
+              <a:effectLst/>
+              <a:latin typeface="Helvetica" charset="0"/>
+            </a:endParaRPr>
+          </a:p>
+        </p:txBody>
+      </p:sp>
+      <p:sp>
+        <p:nvSpPr>
+          <p:cNvPr id="44" name="Text Box 1383"/>
+          <p:cNvSpPr txBox="1">
+            <a:spLocks noChangeArrowheads="1"/>
+          </p:cNvSpPr>
+          <p:nvPr/>
+        </p:nvSpPr>
+        <p:spPr bwMode="auto">
+          <a:xfrm>
+            <a:off x="1981200" y="30099000"/>
+            <a:ext cx="9434512" cy="2487861"/>
+          </a:xfrm>
+          <a:prstGeom prst="rect">
+            <a:avLst/>
+          </a:prstGeom>
+          <a:noFill/>
+          <a:ln>
+            <a:noFill/>
+          </a:ln>
+          <a:extLst>
+            <a:ext uri="{909E8E84-426E-40dd-AFC4-6F175D3DCCD1}">
+              <a14:hiddenFill xmlns:a14="http://schemas.microsoft.com/office/drawing/2010/main">
+                <a:solidFill>
+                  <a:srgbClr val="FFFFFF"/>
+                </a:solidFill>
+              </a14:hiddenFill>
+            </a:ext>
+            <a:ext uri="{91240B29-F687-4f45-9708-019B960494DF}">
+              <a14:hiddenLine xmlns:a14="http://schemas.microsoft.com/office/drawing/2010/main" w="9525">
+                <a:solidFill>
+                  <a:srgbClr val="000000"/>
+                </a:solidFill>
+                <a:miter lim="800000"/>
+                <a:headEnd/>
+                <a:tailEnd/>
+              </a14:hiddenLine>
+            </a:ext>
+          </a:extLst>
+        </p:spPr>
+        <p:txBody>
+          <a:bodyPr>
+            <a:spAutoFit/>
+          </a:bodyPr>
+          <a:lstStyle>
+            <a:lvl1pPr marL="457200" indent="-457200">
+              <a:defRPr sz="3000">
+                <a:solidFill>
+                  <a:schemeClr val="tx1"/>
+                </a:solidFill>
+                <a:latin typeface="Times" charset="0"/>
+                <a:ea typeface="ＭＳ Ｐゴシック" charset="-128"/>
+              </a:defRPr>
+            </a:lvl1pPr>
+            <a:lvl2pPr marL="1092200" indent="-393700">
+              <a:defRPr sz="3000">
+                <a:solidFill>
+                  <a:schemeClr val="tx1"/>
+                </a:solidFill>
+                <a:latin typeface="Times" charset="0"/>
+                <a:ea typeface="ＭＳ Ｐゴシック" charset="-128"/>
+              </a:defRPr>
+            </a:lvl2pPr>
+            <a:lvl3pPr>
+              <a:defRPr sz="3000">
+                <a:solidFill>
+                  <a:schemeClr val="tx1"/>
+                </a:solidFill>
+                <a:latin typeface="Times" charset="0"/>
+                <a:ea typeface="ＭＳ Ｐゴシック" charset="-128"/>
+              </a:defRPr>
+            </a:lvl3pPr>
+            <a:lvl4pPr>
+              <a:defRPr sz="3000">
+                <a:solidFill>
+                  <a:schemeClr val="tx1"/>
+                </a:solidFill>
+                <a:latin typeface="Times" charset="0"/>
+                <a:ea typeface="ＭＳ Ｐゴシック" charset="-128"/>
+              </a:defRPr>
+            </a:lvl4pPr>
+            <a:lvl5pPr>
+              <a:defRPr sz="3000">
+                <a:solidFill>
+                  <a:schemeClr val="tx1"/>
+                </a:solidFill>
+                <a:latin typeface="Times" charset="0"/>
+                <a:ea typeface="ＭＳ Ｐゴシック" charset="-128"/>
+              </a:defRPr>
+            </a:lvl5pPr>
+            <a:lvl6pPr marL="457200" eaLnBrk="0" fontAlgn="base" hangingPunct="0">
+              <a:spcBef>
+                <a:spcPct val="0"/>
+              </a:spcBef>
+              <a:spcAft>
+                <a:spcPct val="0"/>
+              </a:spcAft>
+              <a:defRPr sz="3000">
+                <a:solidFill>
+                  <a:schemeClr val="tx1"/>
+                </a:solidFill>
+                <a:latin typeface="Times" charset="0"/>
+                <a:ea typeface="ＭＳ Ｐゴシック" charset="-128"/>
+              </a:defRPr>
+            </a:lvl6pPr>
+            <a:lvl7pPr marL="914400" eaLnBrk="0" fontAlgn="base" hangingPunct="0">
+              <a:spcBef>
+                <a:spcPct val="0"/>
+              </a:spcBef>
+              <a:spcAft>
+                <a:spcPct val="0"/>
+              </a:spcAft>
+              <a:defRPr sz="3000">
+                <a:solidFill>
+                  <a:schemeClr val="tx1"/>
+                </a:solidFill>
+                <a:latin typeface="Times" charset="0"/>
+                <a:ea typeface="ＭＳ Ｐゴシック" charset="-128"/>
+              </a:defRPr>
+            </a:lvl7pPr>
+            <a:lvl8pPr marL="1371600" eaLnBrk="0" fontAlgn="base" hangingPunct="0">
+              <a:spcBef>
+                <a:spcPct val="0"/>
+              </a:spcBef>
+              <a:spcAft>
+                <a:spcPct val="0"/>
+              </a:spcAft>
+              <a:defRPr sz="3000">
+                <a:solidFill>
+                  <a:schemeClr val="tx1"/>
+                </a:solidFill>
+                <a:latin typeface="Times" charset="0"/>
+                <a:ea typeface="ＭＳ Ｐゴシック" charset="-128"/>
+              </a:defRPr>
+            </a:lvl8pPr>
+            <a:lvl9pPr marL="1828800" eaLnBrk="0" fontAlgn="base" hangingPunct="0">
+              <a:spcBef>
+                <a:spcPct val="0"/>
+              </a:spcBef>
+              <a:spcAft>
+                <a:spcPct val="0"/>
+              </a:spcAft>
+              <a:defRPr sz="3000">
+                <a:solidFill>
+                  <a:schemeClr val="tx1"/>
+                </a:solidFill>
+                <a:latin typeface="Times" charset="0"/>
+                <a:ea typeface="ＭＳ Ｐゴシック" charset="-128"/>
+              </a:defRPr>
+            </a:lvl9pPr>
+          </a:lstStyle>
+          <a:p>
+            <a:pPr>
+              <a:lnSpc>
+                <a:spcPct val="80000"/>
+              </a:lnSpc>
+              <a:spcBef>
+                <a:spcPct val="15000"/>
+              </a:spcBef>
+              <a:buClr>
+                <a:schemeClr val="accent1"/>
+              </a:buClr>
+              <a:buSzPct val="75000"/>
+              <a:buFont typeface="Wingdings" charset="2"/>
+              <a:buChar char="o"/>
+            </a:pPr>
+            <a:r>
+              <a:rPr lang="en-US" sz="3200" dirty="0" smtClean="0">
+                <a:effectLst/>
+                <a:latin typeface="Helvetica" charset="0"/>
+              </a:rPr>
+              <a:t>Elliptic curve: the set of points that </a:t>
+            </a:r>
+            <a:r>
+              <a:rPr lang="en-US" sz="3200" dirty="0" smtClean="0">
+                <a:effectLst/>
+                <a:latin typeface="Helvetica" charset="0"/>
+              </a:rPr>
+              <a:t>satisfy</a:t>
+            </a:r>
+            <a:endParaRPr lang="en-US" sz="3200" dirty="0" smtClean="0">
+              <a:effectLst/>
+              <a:latin typeface="Helvetica" charset="0"/>
+            </a:endParaRPr>
+          </a:p>
+          <a:p>
+            <a:pPr lvl="1">
+              <a:lnSpc>
+                <a:spcPct val="80000"/>
+              </a:lnSpc>
+              <a:spcBef>
+                <a:spcPct val="15000"/>
+              </a:spcBef>
+              <a:buClr>
+                <a:srgbClr val="CC0000"/>
+              </a:buClr>
+              <a:buSzPct val="75000"/>
+              <a:buFont typeface="Wingdings" charset="2"/>
+              <a:buChar char="o"/>
+            </a:pPr>
+            <a:r>
+              <a:rPr lang="en-US" sz="2600" dirty="0" smtClean="0">
+                <a:latin typeface="Helvetica" charset="0"/>
+              </a:rPr>
+              <a:t>y^2 = x^3 + ax + b</a:t>
+            </a:r>
+            <a:endParaRPr lang="en-US" sz="2600" dirty="0">
+              <a:latin typeface="Helvetica" charset="0"/>
+            </a:endParaRPr>
+          </a:p>
+          <a:p>
+            <a:pPr>
+              <a:lnSpc>
+                <a:spcPct val="80000"/>
+              </a:lnSpc>
+              <a:spcBef>
+                <a:spcPct val="15000"/>
+              </a:spcBef>
+              <a:buClr>
+                <a:schemeClr val="accent1"/>
+              </a:buClr>
+              <a:buSzPct val="75000"/>
+              <a:buFont typeface="Wingdings" charset="2"/>
+              <a:buChar char="o"/>
+            </a:pPr>
+            <a:r>
+              <a:rPr lang="en-US" sz="3200" dirty="0" smtClean="0">
+                <a:effectLst/>
+                <a:latin typeface="Helvetica" charset="0"/>
+              </a:rPr>
+              <a:t>Some crypto-specific constraints</a:t>
+            </a:r>
+          </a:p>
+          <a:p>
+            <a:pPr lvl="1">
+              <a:lnSpc>
+                <a:spcPct val="80000"/>
+              </a:lnSpc>
+              <a:spcBef>
+                <a:spcPct val="15000"/>
+              </a:spcBef>
+              <a:buClr>
+                <a:schemeClr val="accent2"/>
+              </a:buClr>
+              <a:buSzPct val="75000"/>
+              <a:buFont typeface="Wingdings" charset="2"/>
+              <a:buChar char="o"/>
+            </a:pPr>
+            <a:r>
+              <a:rPr lang="en-US" sz="2600" dirty="0" smtClean="0">
+                <a:effectLst/>
+                <a:latin typeface="Helvetica" charset="0"/>
+              </a:rPr>
+              <a:t>Finite field -&gt; everything is modular</a:t>
+            </a:r>
+          </a:p>
+          <a:p>
+            <a:pPr lvl="1">
+              <a:lnSpc>
+                <a:spcPct val="80000"/>
+              </a:lnSpc>
+              <a:spcBef>
+                <a:spcPct val="15000"/>
+              </a:spcBef>
+              <a:buClr>
+                <a:schemeClr val="accent2"/>
+              </a:buClr>
+              <a:buSzPct val="75000"/>
+              <a:buFont typeface="Wingdings" charset="2"/>
+              <a:buChar char="o"/>
+            </a:pPr>
+            <a:r>
+              <a:rPr lang="en-US" sz="2600" dirty="0" smtClean="0">
+                <a:effectLst/>
+                <a:latin typeface="Helvetica" charset="0"/>
+              </a:rPr>
+              <a:t>Difficult -&gt; modulo some large number</a:t>
+            </a:r>
+            <a:endParaRPr lang="en-US" sz="2600" dirty="0">
+              <a:effectLst/>
+              <a:latin typeface="Helvetica" charset="0"/>
+            </a:endParaRPr>
+          </a:p>
+          <a:p>
+            <a:pPr lvl="1">
+              <a:lnSpc>
+                <a:spcPct val="80000"/>
+              </a:lnSpc>
+              <a:spcBef>
+                <a:spcPct val="15000"/>
+              </a:spcBef>
+              <a:buClr>
+                <a:schemeClr val="accent1"/>
+              </a:buClr>
+              <a:buSzPct val="75000"/>
+            </a:pPr>
+            <a:endParaRPr lang="en-US" sz="2600" dirty="0">
+              <a:effectLst/>
+              <a:latin typeface="Helvetica" charset="0"/>
+            </a:endParaRPr>
+          </a:p>
+        </p:txBody>
+      </p:sp>
     </p:spTree>
     <p:extLst>
       <p:ext uri="{BB962C8B-B14F-4D97-AF65-F5344CB8AC3E}">
@@ -8097,7 +7751,7 @@
   <p:timing>
     <p:tnLst>
       <p:par>
-        <p:cTn id="1" dur="indefinite" restart="never" nodeType="tmRoot"/>
+        <p:cTn xmlns:p14="http://schemas.microsoft.com/office/powerpoint/2010/main" id="1" dur="indefinite" restart="never" nodeType="tmRoot"/>
       </p:par>
     </p:tnLst>
   </p:timing>
